--- a/terraform/slides/delivery/01__terraform-intro.pptx
+++ b/terraform/slides/delivery/01__terraform-intro.pptx
@@ -1,36 +1,36 @@
 
 <file path=ppt/presentation.xml><?xml version="1.0" encoding="utf-8"?>
-<p:presentation xmlns:a="http://schemas.openxmlformats.org/drawingml/2006/main" xmlns:r="http://schemas.openxmlformats.org/officeDocument/2006/relationships" xmlns:p="http://schemas.openxmlformats.org/presentationml/2006/main" showSpecialPlsOnTitleSld="0" saveSubsetFonts="1" autoCompressPictures="0">
+<p:presentation xmlns:a="http://schemas.openxmlformats.org/drawingml/2006/main" xmlns:r="http://schemas.openxmlformats.org/officeDocument/2006/relationships" xmlns:p="http://schemas.openxmlformats.org/presentationml/2006/main" showSpecialPlsOnTitleSld="0" autoCompressPictures="0">
   <p:sldMasterIdLst>
-    <p:sldMasterId id="2147483651" r:id="rId1"/>
+    <p:sldMasterId id="2147483648" r:id="rId1"/>
   </p:sldMasterIdLst>
   <p:notesMasterIdLst>
-    <p:notesMasterId r:id="rId2"/>
+    <p:notesMasterId r:id="rId17"/>
   </p:notesMasterIdLst>
   <p:handoutMasterIdLst>
-    <p:handoutMasterId r:id="rId3"/>
+    <p:handoutMasterId r:id="rId22"/>
   </p:handoutMasterIdLst>
   <p:sldIdLst>
-    <p:sldId id="256" r:id="rId9"/>
-    <p:sldId id="257" r:id="rId10"/>
-    <p:sldId id="258" r:id="rId11"/>
-    <p:sldId id="259" r:id="rId12"/>
-    <p:sldId id="260" r:id="rId13"/>
-    <p:sldId id="261" r:id="rId14"/>
-    <p:sldId id="262" r:id="rId15"/>
-    <p:sldId id="263" r:id="rId16"/>
-    <p:sldId id="264" r:id="rId17"/>
-    <p:sldId id="265" r:id="rId18"/>
-    <p:sldId id="266" r:id="rId19"/>
-    <p:sldId id="267" r:id="rId20"/>
-    <p:sldId id="268" r:id="rId21"/>
-    <p:sldId id="269" r:id="rId22"/>
-    <p:sldId id="270" r:id="rId23"/>
-    <p:sldId id="271" r:id="rId24"/>
-    <p:sldId id="272" r:id="rId25"/>
-    <p:sldId id="273" r:id="rId26"/>
+    <p:sldId id="256" r:id="rId3"/>
+    <p:sldId id="257" r:id="rId4"/>
+    <p:sldId id="258" r:id="rId5"/>
+    <p:sldId id="259" r:id="rId6"/>
+    <p:sldId id="260" r:id="rId7"/>
+    <p:sldId id="261" r:id="rId8"/>
+    <p:sldId id="262" r:id="rId9"/>
+    <p:sldId id="263" r:id="rId10"/>
+    <p:sldId id="264" r:id="rId11"/>
+    <p:sldId id="265" r:id="rId12"/>
+    <p:sldId id="266" r:id="rId13"/>
+    <p:sldId id="267" r:id="rId14"/>
+    <p:sldId id="268" r:id="rId15"/>
+    <p:sldId id="269" r:id="rId16"/>
+    <p:sldId id="270" r:id="rId18"/>
+    <p:sldId id="271" r:id="rId19"/>
+    <p:sldId id="272" r:id="rId20"/>
+    <p:sldId id="273" r:id="rId21"/>
   </p:sldIdLst>
-  <p:sldSz cx="9372600" cy="8297863"/>
+  <p:sldSz cx="9372600" cy="8297545"/>
   <p:notesSz cx="7315200" cy="9601200"/>
   <p:defaultTextStyle>
     <a:defPPr>
@@ -48,8 +48,8 @@
           <a:schemeClr val="tx1"/>
         </a:solidFill>
         <a:latin typeface="Garamond" pitchFamily="18" charset="0"/>
-        <a:ea typeface="ＭＳ Ｐゴシック"/>
-        <a:cs typeface="ＭＳ Ｐゴシック"/>
+        <a:ea typeface="MS PGothic"/>
+        <a:cs typeface="MS PGothic"/>
       </a:defRPr>
     </a:lvl1pPr>
     <a:lvl2pPr marL="457200" algn="l" rtl="0" fontAlgn="base">
@@ -64,8 +64,8 @@
           <a:schemeClr val="tx1"/>
         </a:solidFill>
         <a:latin typeface="Garamond" pitchFamily="18" charset="0"/>
-        <a:ea typeface="ＭＳ Ｐゴシック"/>
-        <a:cs typeface="ＭＳ Ｐゴシック"/>
+        <a:ea typeface="MS PGothic"/>
+        <a:cs typeface="MS PGothic"/>
       </a:defRPr>
     </a:lvl2pPr>
     <a:lvl3pPr marL="914400" algn="l" rtl="0" fontAlgn="base">
@@ -80,8 +80,8 @@
           <a:schemeClr val="tx1"/>
         </a:solidFill>
         <a:latin typeface="Garamond" pitchFamily="18" charset="0"/>
-        <a:ea typeface="ＭＳ Ｐゴシック"/>
-        <a:cs typeface="ＭＳ Ｐゴシック"/>
+        <a:ea typeface="MS PGothic"/>
+        <a:cs typeface="MS PGothic"/>
       </a:defRPr>
     </a:lvl3pPr>
     <a:lvl4pPr marL="1371600" algn="l" rtl="0" fontAlgn="base">
@@ -96,8 +96,8 @@
           <a:schemeClr val="tx1"/>
         </a:solidFill>
         <a:latin typeface="Garamond" pitchFamily="18" charset="0"/>
-        <a:ea typeface="ＭＳ Ｐゴシック"/>
-        <a:cs typeface="ＭＳ Ｐゴシック"/>
+        <a:ea typeface="MS PGothic"/>
+        <a:cs typeface="MS PGothic"/>
       </a:defRPr>
     </a:lvl4pPr>
     <a:lvl5pPr marL="1828800" algn="l" rtl="0" fontAlgn="base">
@@ -112,8 +112,8 @@
           <a:schemeClr val="tx1"/>
         </a:solidFill>
         <a:latin typeface="Garamond" pitchFamily="18" charset="0"/>
-        <a:ea typeface="ＭＳ Ｐゴシック"/>
-        <a:cs typeface="ＭＳ Ｐゴシック"/>
+        <a:ea typeface="MS PGothic"/>
+        <a:cs typeface="MS PGothic"/>
       </a:defRPr>
     </a:lvl5pPr>
     <a:lvl6pPr marL="2286000" algn="l" defTabSz="914400" rtl="0" eaLnBrk="1" latinLnBrk="0" hangingPunct="1">
@@ -122,8 +122,8 @@
           <a:schemeClr val="tx1"/>
         </a:solidFill>
         <a:latin typeface="Garamond" pitchFamily="18" charset="0"/>
-        <a:ea typeface="ＭＳ Ｐゴシック"/>
-        <a:cs typeface="ＭＳ Ｐゴシック"/>
+        <a:ea typeface="MS PGothic"/>
+        <a:cs typeface="MS PGothic"/>
       </a:defRPr>
     </a:lvl6pPr>
     <a:lvl7pPr marL="2743200" algn="l" defTabSz="914400" rtl="0" eaLnBrk="1" latinLnBrk="0" hangingPunct="1">
@@ -132,8 +132,8 @@
           <a:schemeClr val="tx1"/>
         </a:solidFill>
         <a:latin typeface="Garamond" pitchFamily="18" charset="0"/>
-        <a:ea typeface="ＭＳ Ｐゴシック"/>
-        <a:cs typeface="ＭＳ Ｐゴシック"/>
+        <a:ea typeface="MS PGothic"/>
+        <a:cs typeface="MS PGothic"/>
       </a:defRPr>
     </a:lvl7pPr>
     <a:lvl8pPr marL="3200400" algn="l" defTabSz="914400" rtl="0" eaLnBrk="1" latinLnBrk="0" hangingPunct="1">
@@ -142,8 +142,8 @@
           <a:schemeClr val="tx1"/>
         </a:solidFill>
         <a:latin typeface="Garamond" pitchFamily="18" charset="0"/>
-        <a:ea typeface="ＭＳ Ｐゴシック"/>
-        <a:cs typeface="ＭＳ Ｐゴシック"/>
+        <a:ea typeface="MS PGothic"/>
+        <a:cs typeface="MS PGothic"/>
       </a:defRPr>
     </a:lvl8pPr>
     <a:lvl9pPr marL="3657600" algn="l" defTabSz="914400" rtl="0" eaLnBrk="1" latinLnBrk="0" hangingPunct="1">
@@ -152,41 +152,11 @@
           <a:schemeClr val="tx1"/>
         </a:solidFill>
         <a:latin typeface="Garamond" pitchFamily="18" charset="0"/>
-        <a:ea typeface="ＭＳ Ｐゴシック"/>
-        <a:cs typeface="ＭＳ Ｐゴシック"/>
+        <a:ea typeface="MS PGothic"/>
+        <a:cs typeface="MS PGothic"/>
       </a:defRPr>
     </a:lvl9pPr>
   </p:defaultTextStyle>
-  <p:extLst>
-    <p:ext uri="{EFAFB233-063F-42B5-8137-9DF3F51BA10A}">
-      <p15:sldGuideLst xmlns:p15="http://schemas.microsoft.com/office/powerpoint/2012/main">
-        <p15:guide id="1" orient="horz" pos="2614" userDrawn="1">
-          <p15:clr>
-            <a:srgbClr val="A4A3A4"/>
-          </p15:clr>
-        </p15:guide>
-        <p15:guide id="2" pos="2952" userDrawn="1">
-          <p15:clr>
-            <a:srgbClr val="A4A3A4"/>
-          </p15:clr>
-        </p15:guide>
-      </p15:sldGuideLst>
-    </p:ext>
-    <p:ext uri="{2D200454-40CA-4A62-9FC3-DE9A4176ACB9}">
-      <p15:notesGuideLst xmlns:p15="http://schemas.microsoft.com/office/powerpoint/2012/main">
-        <p15:guide id="1" orient="horz" pos="3024">
-          <p15:clr>
-            <a:srgbClr val="A4A3A4"/>
-          </p15:clr>
-        </p15:guide>
-        <p15:guide id="2" pos="2308">
-          <p15:clr>
-            <a:srgbClr val="A4A3A4"/>
-          </p15:clr>
-        </p15:guide>
-      </p15:notesGuideLst>
-    </p:ext>
-  </p:extLst>
 </p:presentation>
 </file>
 
@@ -196,9 +166,7 @@
   <p:cmAuthor id="2" name="Mark Kerzner" initials="MK" lastIdx="6" clrIdx="1"/>
   <p:cmAuthor id="3" name="Mary Beth Conlee" initials="MBC" lastIdx="7" clrIdx="2"/>
   <p:cmAuthor id="4" name="Michelle" initials="M" lastIdx="5" clrIdx="3"/>
-  <p:cmAuthor id="5" name="Tricia Murphy" initials="TM" lastIdx="4" clrIdx="4">
-    <p:extLst/>
-  </p:cmAuthor>
+  <p:cmAuthor id="5" name="Tricia Murphy" initials="TM" lastIdx="4" clrIdx="4"/>
 </p:cmAuthorLst>
 </file>
 
@@ -231,7 +199,7 @@
         <p:nvSpPr>
           <p:cNvPr id="1028" name="Rectangle 4"/>
           <p:cNvSpPr>
-            <a:spLocks noGrp="1" noChangeArrowheads="1"/>
+            <a:spLocks noGrp="true" noChangeArrowheads="true"/>
           </p:cNvSpPr>
           <p:nvPr>
             <p:ph type="ftr" sz="quarter" idx="2"/>
@@ -249,20 +217,14 @@
           <a:ln w="9525">
             <a:noFill/>
             <a:miter lim="800000"/>
-            <a:headEnd/>
-            <a:tailEnd/>
           </a:ln>
         </p:spPr>
         <p:txBody>
-          <a:bodyPr vert="horz" wrap="square" lIns="96603" tIns="48303" rIns="96603" bIns="48303" numCol="1" anchor="b" anchorCtr="0" compatLnSpc="1">
-            <a:prstTxWarp prst="textNoShape">
-              <a:avLst/>
-            </a:prstTxWarp>
-          </a:bodyPr>
+          <a:bodyPr vert="horz" wrap="square" lIns="96603" tIns="48303" rIns="96603" bIns="48303" numCol="1" anchor="b" anchorCtr="false" compatLnSpc="true"/>
           <a:lstStyle>
             <a:lvl1pPr defTabSz="965200">
               <a:defRPr sz="1200">
-                <a:latin typeface="Times New Roman" pitchFamily="18" charset="0"/>
+                <a:latin typeface="Times New Roman" panose="02020603050405020304" charset="0"/>
               </a:defRPr>
             </a:lvl1pPr>
           </a:lstStyle>
@@ -274,6 +236,7 @@
               <a:rPr lang="en-US" dirty="0"/>
               <a:t>Copyright © 2017 Elephant Scale. All rights reserved.</a:t>
             </a:r>
+            <a:endParaRPr lang="en-US" dirty="0"/>
           </a:p>
         </p:txBody>
       </p:sp>
@@ -281,7 +244,7 @@
         <p:nvSpPr>
           <p:cNvPr id="1029" name="Rectangle 5"/>
           <p:cNvSpPr>
-            <a:spLocks noGrp="1" noChangeArrowheads="1"/>
+            <a:spLocks noGrp="true" noChangeArrowheads="true"/>
           </p:cNvSpPr>
           <p:nvPr>
             <p:ph type="sldNum" sz="quarter" idx="3"/>
@@ -299,20 +262,14 @@
           <a:ln w="9525">
             <a:noFill/>
             <a:miter lim="800000"/>
-            <a:headEnd/>
-            <a:tailEnd/>
           </a:ln>
         </p:spPr>
         <p:txBody>
-          <a:bodyPr vert="horz" wrap="square" lIns="96603" tIns="48303" rIns="96603" bIns="48303" numCol="1" anchor="b" anchorCtr="0" compatLnSpc="1">
-            <a:prstTxWarp prst="textNoShape">
-              <a:avLst/>
-            </a:prstTxWarp>
-          </a:bodyPr>
+          <a:bodyPr vert="horz" wrap="square" lIns="96603" tIns="48303" rIns="96603" bIns="48303" numCol="1" anchor="b" anchorCtr="false" compatLnSpc="true"/>
           <a:lstStyle>
             <a:lvl1pPr algn="r" defTabSz="965200">
               <a:defRPr sz="1200">
-                <a:latin typeface="Times New Roman" pitchFamily="18" charset="0"/>
+                <a:latin typeface="Times New Roman" panose="02020603050405020304" charset="0"/>
               </a:defRPr>
             </a:lvl1pPr>
           </a:lstStyle>
@@ -322,21 +279,12 @@
             </a:pPr>
             <a:fld id="{97E62689-8C7D-4291-A094-4E689FEC4C3B}" type="slidenum">
               <a:rPr lang="en-US"/>
-              <a:pPr>
-                <a:defRPr/>
-              </a:pPr>
-              <a:t>‹#›</a:t>
             </a:fld>
             <a:endParaRPr lang="en-US" dirty="0"/>
           </a:p>
         </p:txBody>
       </p:sp>
     </p:spTree>
-    <p:extLst>
-      <p:ext uri="{BB962C8B-B14F-4D97-AF65-F5344CB8AC3E}">
-        <p14:creationId xmlns:p14="http://schemas.microsoft.com/office/powerpoint/2010/main" val="3239291525"/>
-      </p:ext>
-    </p:extLst>
   </p:cSld>
   <p:clrMap bg1="lt1" tx1="dk1" bg2="lt2" tx2="dk2" accent1="accent1" accent2="accent2" accent3="accent3" accent4="accent4" accent5="accent5" accent6="accent6" hlink="hlink" folHlink="folHlink"/>
   <p:hf hdr="0" ftr="0" dt="0"/>
@@ -372,7 +320,7 @@
         <p:nvSpPr>
           <p:cNvPr id="6146" name="Rectangle 4"/>
           <p:cNvSpPr>
-            <a:spLocks noGrp="1" noRot="1" noChangeAspect="1" noChangeArrowheads="1" noTextEdit="1"/>
+            <a:spLocks noGrp="true" noRot="true" noChangeAspect="true" noChangeArrowheads="true" noTextEdit="true"/>
           </p:cNvSpPr>
           <p:nvPr>
             <p:ph type="sldImg" idx="2"/>
@@ -392,8 +340,6 @@
               <a:srgbClr val="000000"/>
             </a:solidFill>
             <a:miter lim="800000"/>
-            <a:headEnd/>
-            <a:tailEnd/>
           </a:ln>
         </p:spPr>
       </p:sp>
@@ -401,7 +347,7 @@
         <p:nvSpPr>
           <p:cNvPr id="438280" name="Rectangle 8"/>
           <p:cNvSpPr>
-            <a:spLocks noGrp="1" noChangeArrowheads="1"/>
+            <a:spLocks noGrp="true" noChangeArrowheads="true"/>
           </p:cNvSpPr>
           <p:nvPr>
             <p:ph type="ftr" sz="quarter" idx="4"/>
@@ -419,21 +365,15 @@
           <a:ln w="9525">
             <a:noFill/>
             <a:miter lim="800000"/>
-            <a:headEnd/>
-            <a:tailEnd/>
           </a:ln>
           <a:effectLst/>
         </p:spPr>
         <p:txBody>
-          <a:bodyPr vert="horz" wrap="square" lIns="0" tIns="0" rIns="0" bIns="0" numCol="1" anchor="b" anchorCtr="1" compatLnSpc="1">
-            <a:prstTxWarp prst="textNoShape">
-              <a:avLst/>
-            </a:prstTxWarp>
-          </a:bodyPr>
+          <a:bodyPr vert="horz" wrap="square" lIns="0" tIns="0" rIns="0" bIns="0" numCol="1" anchor="b" anchorCtr="true" compatLnSpc="true"/>
           <a:lstStyle>
             <a:lvl1pPr algn="ctr" defTabSz="965200" eaLnBrk="0" hangingPunct="0">
               <a:defRPr sz="900">
-                <a:latin typeface="Arial" charset="0"/>
+                <a:latin typeface="Arial" panose="020B0604020202020204" pitchFamily="34" charset="0"/>
               </a:defRPr>
             </a:lvl1pPr>
           </a:lstStyle>
@@ -445,6 +385,7 @@
               <a:rPr lang="en-US" dirty="0"/>
               <a:t>Copyright © 2017 Elephant Scale. All rights reserved.</a:t>
             </a:r>
+            <a:endParaRPr lang="en-US" dirty="0"/>
           </a:p>
         </p:txBody>
       </p:sp>
@@ -452,7 +393,7 @@
         <p:nvSpPr>
           <p:cNvPr id="438281" name="Rectangle 9"/>
           <p:cNvSpPr>
-            <a:spLocks noGrp="1" noChangeArrowheads="1"/>
+            <a:spLocks noGrp="true" noChangeArrowheads="true"/>
           </p:cNvSpPr>
           <p:nvPr>
             <p:ph type="sldNum" sz="quarter" idx="5"/>
@@ -470,21 +411,15 @@
           <a:ln w="9525">
             <a:noFill/>
             <a:miter lim="800000"/>
-            <a:headEnd/>
-            <a:tailEnd/>
           </a:ln>
           <a:effectLst/>
         </p:spPr>
         <p:txBody>
-          <a:bodyPr vert="horz" wrap="square" lIns="0" tIns="0" rIns="0" bIns="0" numCol="1" anchor="b" anchorCtr="0" compatLnSpc="1">
-            <a:prstTxWarp prst="textNoShape">
-              <a:avLst/>
-            </a:prstTxWarp>
-          </a:bodyPr>
+          <a:bodyPr vert="horz" wrap="square" lIns="0" tIns="0" rIns="0" bIns="0" numCol="1" anchor="b" anchorCtr="false" compatLnSpc="true"/>
           <a:lstStyle>
             <a:lvl1pPr algn="r" defTabSz="965200" eaLnBrk="0" hangingPunct="0">
               <a:defRPr b="1">
-                <a:latin typeface="Arial" charset="0"/>
+                <a:latin typeface="Arial" panose="020B0604020202020204" pitchFamily="34" charset="0"/>
               </a:defRPr>
             </a:lvl1pPr>
           </a:lstStyle>
@@ -494,10 +429,6 @@
             </a:pPr>
             <a:fld id="{EFAADD5D-AF76-45EE-AA5F-6DAC73BF167A}" type="slidenum">
               <a:rPr lang="en-US"/>
-              <a:pPr>
-                <a:defRPr/>
-              </a:pPr>
-              <a:t>‹#›</a:t>
             </a:fld>
             <a:endParaRPr lang="en-US" dirty="0"/>
           </a:p>
@@ -506,8 +437,8 @@
       <p:sp>
         <p:nvSpPr>
           <p:cNvPr id="438306" name="Text Box 34"/>
-          <p:cNvSpPr txBox="1">
-            <a:spLocks noChangeArrowheads="1"/>
+          <p:cNvSpPr txBox="true">
+            <a:spLocks noChangeArrowheads="true"/>
           </p:cNvSpPr>
           <p:nvPr/>
         </p:nvSpPr>
@@ -523,24 +454,26 @@
           <a:ln w="9525">
             <a:noFill/>
             <a:miter lim="800000"/>
-            <a:headEnd/>
-            <a:tailEnd/>
           </a:ln>
         </p:spPr>
         <p:txBody>
           <a:bodyPr wrap="none" lIns="96386" tIns="48194" rIns="96386" bIns="48194"/>
           <a:lstStyle/>
           <a:p>
-            <a:pPr defTabSz="960438">
+            <a:pPr defTabSz="960755">
               <a:defRPr/>
             </a:pPr>
             <a:r>
               <a:rPr lang="en-US" sz="1200" b="1" u="sng" dirty="0">
-                <a:latin typeface="Times New Roman" pitchFamily="18" charset="0"/>
-                <a:cs typeface="Times New Roman" pitchFamily="18" charset="0"/>
+                <a:latin typeface="Times New Roman" panose="02020603050405020304" charset="0"/>
+                <a:cs typeface="Times New Roman" panose="02020603050405020304" charset="0"/>
               </a:rPr>
               <a:t>Notes:</a:t>
             </a:r>
+            <a:endParaRPr lang="en-US" sz="1200" b="1" u="sng" dirty="0">
+              <a:latin typeface="Times New Roman" panose="02020603050405020304" charset="0"/>
+              <a:cs typeface="Times New Roman" panose="02020603050405020304" charset="0"/>
+            </a:endParaRPr>
           </a:p>
         </p:txBody>
       </p:sp>
@@ -548,7 +481,7 @@
         <p:nvSpPr>
           <p:cNvPr id="438309" name="Rectangle 37"/>
           <p:cNvSpPr>
-            <a:spLocks noGrp="1" noChangeArrowheads="1"/>
+            <a:spLocks noGrp="true" noChangeArrowheads="true"/>
           </p:cNvSpPr>
           <p:nvPr>
             <p:ph type="body" sz="quarter" idx="3"/>
@@ -566,16 +499,10 @@
           <a:ln w="9525">
             <a:noFill/>
             <a:miter lim="800000"/>
-            <a:headEnd/>
-            <a:tailEnd/>
           </a:ln>
         </p:spPr>
         <p:txBody>
-          <a:bodyPr vert="horz" wrap="square" lIns="91537" tIns="45768" rIns="91537" bIns="45768" numCol="1" anchor="t" anchorCtr="0" compatLnSpc="1">
-            <a:prstTxWarp prst="textNoShape">
-              <a:avLst/>
-            </a:prstTxWarp>
-          </a:bodyPr>
+          <a:bodyPr vert="horz" wrap="square" lIns="91537" tIns="45768" rIns="91537" bIns="45768" numCol="1" anchor="t" anchorCtr="false" compatLnSpc="true"/>
           <a:lstStyle/>
           <a:p>
             <a:pPr lvl="0"/>
@@ -587,7 +514,7 @@
         <p:nvSpPr>
           <p:cNvPr id="438317" name="Line 45"/>
           <p:cNvSpPr>
-            <a:spLocks noChangeShapeType="1"/>
+            <a:spLocks noChangeShapeType="true"/>
           </p:cNvSpPr>
           <p:nvPr/>
         </p:nvSpPr>
@@ -605,8 +532,6 @@
               <a:srgbClr val="000000"/>
             </a:solidFill>
             <a:round/>
-            <a:headEnd/>
-            <a:tailEnd/>
           </a:ln>
           <a:effectLst/>
         </p:spPr>
@@ -621,7 +546,7 @@
               <a:defRPr/>
             </a:pPr>
             <a:endParaRPr lang="en-US" dirty="0">
-              <a:latin typeface="Garamond" pitchFamily="-110" charset="0"/>
+              <a:latin typeface="Garamond" pitchFamily="18" charset="0"/>
               <a:ea typeface="+mn-ea"/>
               <a:cs typeface="+mn-cs"/>
             </a:endParaRPr>
@@ -629,11 +554,6 @@
         </p:txBody>
       </p:sp>
     </p:spTree>
-    <p:extLst>
-      <p:ext uri="{BB962C8B-B14F-4D97-AF65-F5344CB8AC3E}">
-        <p14:creationId xmlns:p14="http://schemas.microsoft.com/office/powerpoint/2010/main" val="953744030"/>
-      </p:ext>
-    </p:extLst>
   </p:cSld>
   <p:clrMap bg1="lt1" tx1="dk1" bg2="lt2" tx2="dk2" accent1="accent1" accent2="accent2" accent3="accent3" accent4="accent4" accent5="accent5" accent6="accent6" hlink="hlink" folHlink="folHlink"/>
   <p:hf dt="0"/>
@@ -646,15 +566,15 @@
         <a:spcPct val="0"/>
       </a:spcAft>
       <a:buSzPct val="65000"/>
-      <a:buFont typeface="Wingdings" pitchFamily="2" charset="2"/>
+      <a:buFont typeface="Wingdings" panose="05000000000000000000" pitchFamily="2" charset="2"/>
       <a:buNone/>
       <a:defRPr sz="1200" kern="1200">
         <a:solidFill>
           <a:schemeClr val="tx1"/>
         </a:solidFill>
-        <a:latin typeface="Times New Roman" pitchFamily="-110" charset="0"/>
-        <a:ea typeface="ＭＳ Ｐゴシック" pitchFamily="-110" charset="-128"/>
-        <a:cs typeface="ＭＳ Ｐゴシック" pitchFamily="-110" charset="-128"/>
+        <a:latin typeface="Times New Roman" panose="02020603050405020304" charset="0"/>
+        <a:ea typeface="MS PGothic" pitchFamily="-110" charset="-128"/>
+        <a:cs typeface="MS PGothic" pitchFamily="-110" charset="-128"/>
       </a:defRPr>
     </a:lvl1pPr>
     <a:lvl2pPr marL="282575" indent="0" algn="l" rtl="0" eaLnBrk="0" fontAlgn="base" hangingPunct="0">
@@ -669,12 +589,12 @@
         <a:solidFill>
           <a:schemeClr val="tx1"/>
         </a:solidFill>
-        <a:latin typeface="Times New Roman" pitchFamily="-110" charset="0"/>
-        <a:ea typeface="ＭＳ Ｐゴシック" pitchFamily="-110" charset="-128"/>
-        <a:cs typeface="ＭＳ Ｐゴシック"/>
+        <a:latin typeface="Times New Roman" panose="02020603050405020304" charset="0"/>
+        <a:ea typeface="MS PGothic" pitchFamily="-110" charset="-128"/>
+        <a:cs typeface="MS PGothic"/>
       </a:defRPr>
     </a:lvl2pPr>
-    <a:lvl3pPr marL="744538" indent="-173038" algn="l" rtl="0" eaLnBrk="0" fontAlgn="base" hangingPunct="0">
+    <a:lvl3pPr marL="744855" indent="-173355" algn="l" rtl="0" eaLnBrk="0" fontAlgn="base" hangingPunct="0">
       <a:spcBef>
         <a:spcPct val="30000"/>
       </a:spcBef>
@@ -686,9 +606,9 @@
         <a:solidFill>
           <a:schemeClr val="tx1"/>
         </a:solidFill>
-        <a:latin typeface="Times New Roman" pitchFamily="-110" charset="0"/>
-        <a:ea typeface="ＭＳ Ｐゴシック" pitchFamily="-110" charset="-128"/>
-        <a:cs typeface="ＭＳ Ｐゴシック"/>
+        <a:latin typeface="Times New Roman" panose="02020603050405020304" charset="0"/>
+        <a:ea typeface="MS PGothic" pitchFamily="-110" charset="-128"/>
+        <a:cs typeface="MS PGothic"/>
       </a:defRPr>
     </a:lvl3pPr>
     <a:lvl4pPr marL="1600200" indent="-228600" algn="l" rtl="0" eaLnBrk="0" fontAlgn="base" hangingPunct="0">
@@ -702,9 +622,9 @@
         <a:solidFill>
           <a:schemeClr val="tx1"/>
         </a:solidFill>
-        <a:latin typeface="Times New Roman" pitchFamily="-110" charset="0"/>
-        <a:ea typeface="ＭＳ Ｐゴシック" pitchFamily="-110" charset="-128"/>
-        <a:cs typeface="ＭＳ Ｐゴシック"/>
+        <a:latin typeface="Times New Roman" panose="02020603050405020304" charset="0"/>
+        <a:ea typeface="MS PGothic" pitchFamily="-110" charset="-128"/>
+        <a:cs typeface="MS PGothic"/>
       </a:defRPr>
     </a:lvl4pPr>
     <a:lvl5pPr marL="2057400" indent="-228600" algn="l" rtl="0" eaLnBrk="0" fontAlgn="base" hangingPunct="0">
@@ -718,9 +638,9 @@
         <a:solidFill>
           <a:schemeClr val="tx1"/>
         </a:solidFill>
-        <a:latin typeface="Times New Roman" pitchFamily="-110" charset="0"/>
-        <a:ea typeface="ＭＳ Ｐゴシック" pitchFamily="-110" charset="-128"/>
-        <a:cs typeface="ＭＳ Ｐゴシック"/>
+        <a:latin typeface="Times New Roman" panose="02020603050405020304" charset="0"/>
+        <a:ea typeface="MS PGothic" pitchFamily="-110" charset="-128"/>
+        <a:cs typeface="MS PGothic"/>
       </a:defRPr>
     </a:lvl5pPr>
     <a:lvl6pPr marL="2286000" algn="l" defTabSz="457200" rtl="0" eaLnBrk="1" latinLnBrk="0" hangingPunct="1">
@@ -768,7 +688,7 @@
 </file>
 
 <file path=ppt/notesSlides/notesSlide1.xml><?xml version="1.0" encoding="utf-8"?>
-<p:notes xmlns:a="http://schemas.openxmlformats.org/drawingml/2006/main" xmlns:p="http://schemas.openxmlformats.org/presentationml/2006/main" xmlns:r="http://schemas.openxmlformats.org/officeDocument/2006/relationships">
+<p:notes xmlns:a="http://schemas.openxmlformats.org/drawingml/2006/main" xmlns:r="http://schemas.openxmlformats.org/officeDocument/2006/relationships" xmlns:p="http://schemas.openxmlformats.org/presentationml/2006/main">
   <p:cSld>
     <p:spTree>
       <p:nvGrpSpPr>
@@ -788,7 +708,7 @@
         <p:nvSpPr>
           <p:cNvPr id="2" name="Slide Image Placeholder 1"/>
           <p:cNvSpPr>
-            <a:spLocks noGrp="1"/>
+            <a:spLocks noGrp="true"/>
           </p:cNvSpPr>
           <p:nvPr>
             <p:ph type="sldImg" idx="2"/>
@@ -800,10 +720,10 @@
         <p:nvSpPr>
           <p:cNvPr id="3" name="Slide Number Placeholder 2"/>
           <p:cNvSpPr>
-            <a:spLocks noGrp="1"/>
-          </p:cNvSpPr>
-          <p:nvPr>
-            <p:ph type="sldNum" idx="5" sz="quarter"/>
+            <a:spLocks noGrp="true"/>
+          </p:cNvSpPr>
+          <p:nvPr>
+            <p:ph type="sldNum" sz="quarter" idx="5"/>
           </p:nvPr>
         </p:nvSpPr>
         <p:spPr/>
@@ -812,10 +732,10 @@
         <p:nvSpPr>
           <p:cNvPr id="4" name="Notes Placeholder 3"/>
           <p:cNvSpPr>
-            <a:spLocks noGrp="1"/>
-          </p:cNvSpPr>
-          <p:nvPr>
-            <p:ph type="body" idx="3" sz="quarter"/>
+            <a:spLocks noGrp="true"/>
+          </p:cNvSpPr>
+          <p:nvPr>
+            <p:ph type="body" sz="quarter" idx="3"/>
           </p:nvPr>
         </p:nvSpPr>
         <p:spPr/>
@@ -838,7 +758,7 @@
 </file>
 
 <file path=ppt/notesSlides/notesSlide2.xml><?xml version="1.0" encoding="utf-8"?>
-<p:notes xmlns:a="http://schemas.openxmlformats.org/drawingml/2006/main" xmlns:p="http://schemas.openxmlformats.org/presentationml/2006/main" xmlns:r="http://schemas.openxmlformats.org/officeDocument/2006/relationships">
+<p:notes xmlns:a="http://schemas.openxmlformats.org/drawingml/2006/main" xmlns:r="http://schemas.openxmlformats.org/officeDocument/2006/relationships" xmlns:p="http://schemas.openxmlformats.org/presentationml/2006/main">
   <p:cSld>
     <p:spTree>
       <p:nvGrpSpPr>
@@ -858,7 +778,7 @@
         <p:nvSpPr>
           <p:cNvPr id="2" name="Slide Image Placeholder 1"/>
           <p:cNvSpPr>
-            <a:spLocks noGrp="1"/>
+            <a:spLocks noGrp="true"/>
           </p:cNvSpPr>
           <p:nvPr>
             <p:ph type="sldImg" idx="2"/>
@@ -870,10 +790,10 @@
         <p:nvSpPr>
           <p:cNvPr id="3" name="Slide Number Placeholder 2"/>
           <p:cNvSpPr>
-            <a:spLocks noGrp="1"/>
-          </p:cNvSpPr>
-          <p:nvPr>
-            <p:ph type="sldNum" idx="5" sz="quarter"/>
+            <a:spLocks noGrp="true"/>
+          </p:cNvSpPr>
+          <p:nvPr>
+            <p:ph type="sldNum" sz="quarter" idx="5"/>
           </p:nvPr>
         </p:nvSpPr>
         <p:spPr/>
@@ -882,10 +802,10 @@
         <p:nvSpPr>
           <p:cNvPr id="4" name="Notes Placeholder 3"/>
           <p:cNvSpPr>
-            <a:spLocks noGrp="1"/>
-          </p:cNvSpPr>
-          <p:nvPr>
-            <p:ph type="body" idx="3" sz="quarter"/>
+            <a:spLocks noGrp="true"/>
+          </p:cNvSpPr>
+          <p:nvPr>
+            <p:ph type="body" sz="quarter" idx="3"/>
           </p:nvPr>
         </p:nvSpPr>
         <p:spPr/>
@@ -958,7 +878,7 @@
 </file>
 
 <file path=ppt/notesSlides/notesSlide3.xml><?xml version="1.0" encoding="utf-8"?>
-<p:notes xmlns:a="http://schemas.openxmlformats.org/drawingml/2006/main" xmlns:p="http://schemas.openxmlformats.org/presentationml/2006/main" xmlns:r="http://schemas.openxmlformats.org/officeDocument/2006/relationships">
+<p:notes xmlns:a="http://schemas.openxmlformats.org/drawingml/2006/main" xmlns:r="http://schemas.openxmlformats.org/officeDocument/2006/relationships" xmlns:p="http://schemas.openxmlformats.org/presentationml/2006/main">
   <p:cSld>
     <p:spTree>
       <p:nvGrpSpPr>
@@ -978,7 +898,7 @@
         <p:nvSpPr>
           <p:cNvPr id="2" name="Slide Image Placeholder 1"/>
           <p:cNvSpPr>
-            <a:spLocks noGrp="1"/>
+            <a:spLocks noGrp="true"/>
           </p:cNvSpPr>
           <p:nvPr>
             <p:ph type="sldImg" idx="2"/>
@@ -990,10 +910,10 @@
         <p:nvSpPr>
           <p:cNvPr id="3" name="Slide Number Placeholder 2"/>
           <p:cNvSpPr>
-            <a:spLocks noGrp="1"/>
-          </p:cNvSpPr>
-          <p:nvPr>
-            <p:ph type="sldNum" idx="5" sz="quarter"/>
+            <a:spLocks noGrp="true"/>
+          </p:cNvSpPr>
+          <p:nvPr>
+            <p:ph type="sldNum" sz="quarter" idx="5"/>
           </p:nvPr>
         </p:nvSpPr>
         <p:spPr/>
@@ -1002,10 +922,10 @@
         <p:nvSpPr>
           <p:cNvPr id="4" name="Notes Placeholder 3"/>
           <p:cNvSpPr>
-            <a:spLocks noGrp="1"/>
-          </p:cNvSpPr>
-          <p:nvPr>
-            <p:ph type="body" idx="3" sz="quarter"/>
+            <a:spLocks noGrp="true"/>
+          </p:cNvSpPr>
+          <p:nvPr>
+            <p:ph type="body" sz="quarter" idx="3"/>
           </p:nvPr>
         </p:nvSpPr>
         <p:spPr/>
@@ -1028,7 +948,7 @@
 </file>
 
 <file path=ppt/slideLayouts/slideLayout1.xml><?xml version="1.0" encoding="utf-8"?>
-<p:sldLayout xmlns:a="http://schemas.openxmlformats.org/drawingml/2006/main" xmlns:r="http://schemas.openxmlformats.org/officeDocument/2006/relationships" xmlns:p="http://schemas.openxmlformats.org/presentationml/2006/main" showMasterSp="0" type="title" preserve="1">
+<p:sldLayout xmlns:a="http://schemas.openxmlformats.org/drawingml/2006/main" xmlns:r="http://schemas.openxmlformats.org/officeDocument/2006/relationships" xmlns:p="http://schemas.openxmlformats.org/presentationml/2006/main" type="title" preserve="1" showMasterSp="0">
   <p:cSld name="Title Slide">
     <p:bg>
       <p:bgPr>
@@ -1055,15 +975,17 @@
       <p:pic>
         <p:nvPicPr>
           <p:cNvPr id="4" name="Picture 7"/>
-          <p:cNvPicPr preferRelativeResize="0">
-            <a:picLocks noChangeArrowheads="1"/>
+          <p:cNvPicPr preferRelativeResize="false">
+            <a:picLocks noChangeArrowheads="true"/>
           </p:cNvPicPr>
           <p:nvPr/>
         </p:nvPicPr>
-        <p:blipFill rotWithShape="1">
+        <p:blipFill rotWithShape="true">
           <a:blip r:embed="rId2"/>
           <a:srcRect t="19473"/>
-          <a:stretch/>
+          <a:stretch>
+            <a:fillRect/>
+          </a:stretch>
         </p:blipFill>
         <p:spPr bwMode="auto">
           <a:xfrm>
@@ -1086,7 +1008,7 @@
         <p:nvSpPr>
           <p:cNvPr id="1104898" name="Rectangle 2"/>
           <p:cNvSpPr>
-            <a:spLocks noGrp="1" noChangeArrowheads="1"/>
+            <a:spLocks noGrp="true" noChangeArrowheads="true"/>
           </p:cNvSpPr>
           <p:nvPr>
             <p:ph type="subTitle" sz="quarter" idx="1"/>
@@ -1114,6 +1036,7 @@
               <a:rPr lang="en-US"/>
               <a:t>Click to edit Master subtitle style</a:t>
             </a:r>
+            <a:endParaRPr lang="en-US"/>
           </a:p>
         </p:txBody>
       </p:sp>
@@ -1121,7 +1044,7 @@
         <p:nvSpPr>
           <p:cNvPr id="1104900" name="Rectangle 4"/>
           <p:cNvSpPr>
-            <a:spLocks noGrp="1" noChangeArrowheads="1"/>
+            <a:spLocks noGrp="true" noChangeArrowheads="true"/>
           </p:cNvSpPr>
           <p:nvPr>
             <p:ph type="ctrTitle" sz="quarter"/>
@@ -1145,6 +1068,7 @@
               <a:rPr lang="en-US"/>
               <a:t>Click to edit Master title style</a:t>
             </a:r>
+            <a:endParaRPr lang="en-US"/>
           </a:p>
         </p:txBody>
       </p:sp>
@@ -1177,7 +1101,7 @@
         <p:nvSpPr>
           <p:cNvPr id="2" name="Title 1"/>
           <p:cNvSpPr>
-            <a:spLocks noGrp="1"/>
+            <a:spLocks noGrp="true"/>
           </p:cNvSpPr>
           <p:nvPr>
             <p:ph type="title"/>
@@ -1194,6 +1118,7 @@
               <a:rPr lang="en-US" dirty="0"/>
               <a:t>Click to edit Master title style</a:t>
             </a:r>
+            <a:endParaRPr lang="en-US" dirty="0"/>
           </a:p>
         </p:txBody>
       </p:sp>
@@ -1201,7 +1126,7 @@
         <p:nvSpPr>
           <p:cNvPr id="3" name="Content Placeholder 2"/>
           <p:cNvSpPr>
-            <a:spLocks noGrp="1"/>
+            <a:spLocks noGrp="true"/>
           </p:cNvSpPr>
           <p:nvPr>
             <p:ph idx="1"/>
@@ -1217,6 +1142,7 @@
               <a:rPr lang="en-US" dirty="0"/>
               <a:t>Click to edit Master text styles</a:t>
             </a:r>
+            <a:endParaRPr lang="en-US" dirty="0"/>
           </a:p>
           <a:p>
             <a:pPr lvl="1"/>
@@ -1224,6 +1150,7 @@
               <a:rPr lang="en-US" dirty="0"/>
               <a:t>Second level</a:t>
             </a:r>
+            <a:endParaRPr lang="en-US" dirty="0"/>
           </a:p>
           <a:p>
             <a:pPr lvl="2"/>
@@ -1231,6 +1158,7 @@
               <a:rPr lang="en-US" dirty="0"/>
               <a:t>Third level</a:t>
             </a:r>
+            <a:endParaRPr lang="en-US" dirty="0"/>
           </a:p>
           <a:p>
             <a:pPr lvl="3"/>
@@ -1238,6 +1166,7 @@
               <a:rPr lang="en-US" dirty="0"/>
               <a:t>Fourth level</a:t>
             </a:r>
+            <a:endParaRPr lang="en-US" dirty="0"/>
           </a:p>
           <a:p>
             <a:pPr lvl="4"/>
@@ -1245,6 +1174,7 @@
               <a:rPr lang="en-US" dirty="0"/>
               <a:t>Fifth level</a:t>
             </a:r>
+            <a:endParaRPr lang="en-US" dirty="0"/>
           </a:p>
         </p:txBody>
       </p:sp>
@@ -1252,7 +1182,7 @@
         <p:nvSpPr>
           <p:cNvPr id="8" name="Footer Placeholder 7"/>
           <p:cNvSpPr>
-            <a:spLocks noGrp="1"/>
+            <a:spLocks noGrp="true"/>
           </p:cNvSpPr>
           <p:nvPr>
             <p:ph type="ftr" sz="quarter" idx="11"/>
@@ -1270,6 +1200,7 @@
               <a:rPr lang="en-US" dirty="0"/>
               <a:t>Copyright © 2017 Elephant Scale. All rights reserved.</a:t>
             </a:r>
+            <a:endParaRPr lang="en-US" dirty="0"/>
           </a:p>
         </p:txBody>
       </p:sp>
@@ -1277,7 +1208,7 @@
         <p:nvSpPr>
           <p:cNvPr id="9" name="Slide Number Placeholder 8"/>
           <p:cNvSpPr>
-            <a:spLocks noGrp="1"/>
+            <a:spLocks noGrp="true"/>
           </p:cNvSpPr>
           <p:nvPr>
             <p:ph type="sldNum" sz="quarter" idx="12"/>
@@ -1293,10 +1224,6 @@
             </a:pPr>
             <a:fld id="{77EF9825-4C23-4085-A4E3-B5565466BD91}" type="slidenum">
               <a:rPr lang="en-US" smtClean="0"/>
-              <a:pPr>
-                <a:defRPr/>
-              </a:pPr>
-              <a:t>‹#›</a:t>
             </a:fld>
             <a:endParaRPr lang="en-US" dirty="0"/>
           </a:p>
@@ -1331,7 +1258,7 @@
         <p:nvSpPr>
           <p:cNvPr id="2" name="Title 1"/>
           <p:cNvSpPr>
-            <a:spLocks noGrp="1"/>
+            <a:spLocks noGrp="true"/>
           </p:cNvSpPr>
           <p:nvPr>
             <p:ph type="title"/>
@@ -1351,6 +1278,7 @@
               <a:rPr lang="en-US"/>
               <a:t>Click to edit Master title style</a:t>
             </a:r>
+            <a:endParaRPr lang="en-US"/>
           </a:p>
         </p:txBody>
       </p:sp>
@@ -1358,7 +1286,7 @@
         <p:nvSpPr>
           <p:cNvPr id="3" name="Text Placeholder 2"/>
           <p:cNvSpPr>
-            <a:spLocks noGrp="1"/>
+            <a:spLocks noGrp="true"/>
           </p:cNvSpPr>
           <p:nvPr>
             <p:ph type="body" sz="half" idx="1"/>
@@ -1379,6 +1307,7 @@
               <a:rPr lang="en-US"/>
               <a:t>Click to edit Master text styles</a:t>
             </a:r>
+            <a:endParaRPr lang="en-US"/>
           </a:p>
           <a:p>
             <a:pPr lvl="1"/>
@@ -1386,6 +1315,7 @@
               <a:rPr lang="en-US"/>
               <a:t>Second level</a:t>
             </a:r>
+            <a:endParaRPr lang="en-US"/>
           </a:p>
           <a:p>
             <a:pPr lvl="2"/>
@@ -1393,6 +1323,7 @@
               <a:rPr lang="en-US"/>
               <a:t>Third level</a:t>
             </a:r>
+            <a:endParaRPr lang="en-US"/>
           </a:p>
           <a:p>
             <a:pPr lvl="3"/>
@@ -1400,6 +1331,7 @@
               <a:rPr lang="en-US"/>
               <a:t>Fourth level</a:t>
             </a:r>
+            <a:endParaRPr lang="en-US"/>
           </a:p>
           <a:p>
             <a:pPr lvl="4"/>
@@ -1407,6 +1339,7 @@
               <a:rPr lang="en-US"/>
               <a:t>Fifth level</a:t>
             </a:r>
+            <a:endParaRPr lang="en-US"/>
           </a:p>
         </p:txBody>
       </p:sp>
@@ -1414,7 +1347,7 @@
         <p:nvSpPr>
           <p:cNvPr id="4" name="Content Placeholder 3"/>
           <p:cNvSpPr>
-            <a:spLocks noGrp="1"/>
+            <a:spLocks noGrp="true"/>
           </p:cNvSpPr>
           <p:nvPr>
             <p:ph sz="quarter" idx="2"/>
@@ -1435,6 +1368,7 @@
               <a:rPr lang="en-US"/>
               <a:t>Click to edit Master text styles</a:t>
             </a:r>
+            <a:endParaRPr lang="en-US"/>
           </a:p>
           <a:p>
             <a:pPr lvl="1"/>
@@ -1442,6 +1376,7 @@
               <a:rPr lang="en-US"/>
               <a:t>Second level</a:t>
             </a:r>
+            <a:endParaRPr lang="en-US"/>
           </a:p>
           <a:p>
             <a:pPr lvl="2"/>
@@ -1449,6 +1384,7 @@
               <a:rPr lang="en-US"/>
               <a:t>Third level</a:t>
             </a:r>
+            <a:endParaRPr lang="en-US"/>
           </a:p>
           <a:p>
             <a:pPr lvl="3"/>
@@ -1456,6 +1392,7 @@
               <a:rPr lang="en-US"/>
               <a:t>Fourth level</a:t>
             </a:r>
+            <a:endParaRPr lang="en-US"/>
           </a:p>
           <a:p>
             <a:pPr lvl="4"/>
@@ -1463,6 +1400,7 @@
               <a:rPr lang="en-US"/>
               <a:t>Fifth level</a:t>
             </a:r>
+            <a:endParaRPr lang="en-US"/>
           </a:p>
         </p:txBody>
       </p:sp>
@@ -1470,7 +1408,7 @@
         <p:nvSpPr>
           <p:cNvPr id="5" name="Content Placeholder 4"/>
           <p:cNvSpPr>
-            <a:spLocks noGrp="1"/>
+            <a:spLocks noGrp="true"/>
           </p:cNvSpPr>
           <p:nvPr>
             <p:ph sz="quarter" idx="3"/>
@@ -1491,6 +1429,7 @@
               <a:rPr lang="en-US"/>
               <a:t>Click to edit Master text styles</a:t>
             </a:r>
+            <a:endParaRPr lang="en-US"/>
           </a:p>
           <a:p>
             <a:pPr lvl="1"/>
@@ -1498,6 +1437,7 @@
               <a:rPr lang="en-US"/>
               <a:t>Second level</a:t>
             </a:r>
+            <a:endParaRPr lang="en-US"/>
           </a:p>
           <a:p>
             <a:pPr lvl="2"/>
@@ -1505,6 +1445,7 @@
               <a:rPr lang="en-US"/>
               <a:t>Third level</a:t>
             </a:r>
+            <a:endParaRPr lang="en-US"/>
           </a:p>
           <a:p>
             <a:pPr lvl="3"/>
@@ -1512,6 +1453,7 @@
               <a:rPr lang="en-US"/>
               <a:t>Fourth level</a:t>
             </a:r>
+            <a:endParaRPr lang="en-US"/>
           </a:p>
           <a:p>
             <a:pPr lvl="4"/>
@@ -1519,6 +1461,7 @@
               <a:rPr lang="en-US"/>
               <a:t>Fifth level</a:t>
             </a:r>
+            <a:endParaRPr lang="en-US"/>
           </a:p>
         </p:txBody>
       </p:sp>
@@ -1526,15 +1469,13 @@
         <p:nvSpPr>
           <p:cNvPr id="7" name="Rectangle 4"/>
           <p:cNvSpPr>
-            <a:spLocks noGrp="1" noChangeArrowheads="1"/>
+            <a:spLocks noGrp="true" noChangeArrowheads="true"/>
           </p:cNvSpPr>
           <p:nvPr>
             <p:ph type="sldNum" sz="quarter" idx="11"/>
           </p:nvPr>
         </p:nvSpPr>
-        <p:spPr>
-          <a:ln/>
-        </p:spPr>
+        <p:spPr/>
         <p:txBody>
           <a:bodyPr/>
           <a:lstStyle>
@@ -1548,10 +1489,6 @@
             </a:pPr>
             <a:fld id="{040E4B02-67B9-4228-B08B-2561CEE6B946}" type="slidenum">
               <a:rPr lang="en-US"/>
-              <a:pPr>
-                <a:defRPr/>
-              </a:pPr>
-              <a:t>‹#›</a:t>
             </a:fld>
             <a:endParaRPr lang="en-US" dirty="0"/>
           </a:p>
@@ -1561,15 +1498,13 @@
         <p:nvSpPr>
           <p:cNvPr id="8" name="Rectangle 5"/>
           <p:cNvSpPr>
-            <a:spLocks noGrp="1" noChangeArrowheads="1"/>
+            <a:spLocks noGrp="true" noChangeArrowheads="true"/>
           </p:cNvSpPr>
           <p:nvPr>
             <p:ph type="ftr" sz="quarter" idx="12"/>
           </p:nvPr>
         </p:nvSpPr>
-        <p:spPr>
-          <a:ln/>
-        </p:spPr>
+        <p:spPr/>
         <p:txBody>
           <a:bodyPr/>
           <a:lstStyle>
@@ -1585,6 +1520,7 @@
               <a:rPr lang="en-US" dirty="0"/>
               <a:t>Copyright © 2017 Elephant Scale. All rights reserved.</a:t>
             </a:r>
+            <a:endParaRPr lang="en-US" dirty="0"/>
           </a:p>
         </p:txBody>
       </p:sp>
@@ -1617,7 +1553,7 @@
         <p:nvSpPr>
           <p:cNvPr id="2" name="Title 1"/>
           <p:cNvSpPr>
-            <a:spLocks noGrp="1"/>
+            <a:spLocks noGrp="true"/>
           </p:cNvSpPr>
           <p:nvPr>
             <p:ph type="title"/>
@@ -1637,6 +1573,7 @@
               <a:rPr lang="en-US"/>
               <a:t>Click to edit Master title style</a:t>
             </a:r>
+            <a:endParaRPr lang="en-US"/>
           </a:p>
         </p:txBody>
       </p:sp>
@@ -1644,7 +1581,7 @@
         <p:nvSpPr>
           <p:cNvPr id="3" name="Text Placeholder 2"/>
           <p:cNvSpPr>
-            <a:spLocks noGrp="1"/>
+            <a:spLocks noGrp="true"/>
           </p:cNvSpPr>
           <p:nvPr>
             <p:ph type="body" sz="half" idx="1"/>
@@ -1665,6 +1602,7 @@
               <a:rPr lang="en-US"/>
               <a:t>Click to edit Master text styles</a:t>
             </a:r>
+            <a:endParaRPr lang="en-US"/>
           </a:p>
           <a:p>
             <a:pPr lvl="1"/>
@@ -1672,6 +1610,7 @@
               <a:rPr lang="en-US"/>
               <a:t>Second level</a:t>
             </a:r>
+            <a:endParaRPr lang="en-US"/>
           </a:p>
           <a:p>
             <a:pPr lvl="2"/>
@@ -1679,6 +1618,7 @@
               <a:rPr lang="en-US"/>
               <a:t>Third level</a:t>
             </a:r>
+            <a:endParaRPr lang="en-US"/>
           </a:p>
           <a:p>
             <a:pPr lvl="3"/>
@@ -1686,6 +1626,7 @@
               <a:rPr lang="en-US"/>
               <a:t>Fourth level</a:t>
             </a:r>
+            <a:endParaRPr lang="en-US"/>
           </a:p>
           <a:p>
             <a:pPr lvl="4"/>
@@ -1693,6 +1634,7 @@
               <a:rPr lang="en-US"/>
               <a:t>Fifth level</a:t>
             </a:r>
+            <a:endParaRPr lang="en-US"/>
           </a:p>
         </p:txBody>
       </p:sp>
@@ -1700,7 +1642,7 @@
         <p:nvSpPr>
           <p:cNvPr id="4" name="Content Placeholder 3"/>
           <p:cNvSpPr>
-            <a:spLocks noGrp="1"/>
+            <a:spLocks noGrp="true"/>
           </p:cNvSpPr>
           <p:nvPr>
             <p:ph sz="half" idx="2"/>
@@ -1721,6 +1663,7 @@
               <a:rPr lang="en-US"/>
               <a:t>Click to edit Master text styles</a:t>
             </a:r>
+            <a:endParaRPr lang="en-US"/>
           </a:p>
           <a:p>
             <a:pPr lvl="1"/>
@@ -1728,6 +1671,7 @@
               <a:rPr lang="en-US"/>
               <a:t>Second level</a:t>
             </a:r>
+            <a:endParaRPr lang="en-US"/>
           </a:p>
           <a:p>
             <a:pPr lvl="2"/>
@@ -1735,6 +1679,7 @@
               <a:rPr lang="en-US"/>
               <a:t>Third level</a:t>
             </a:r>
+            <a:endParaRPr lang="en-US"/>
           </a:p>
           <a:p>
             <a:pPr lvl="3"/>
@@ -1742,6 +1687,7 @@
               <a:rPr lang="en-US"/>
               <a:t>Fourth level</a:t>
             </a:r>
+            <a:endParaRPr lang="en-US"/>
           </a:p>
           <a:p>
             <a:pPr lvl="4"/>
@@ -1749,6 +1695,7 @@
               <a:rPr lang="en-US"/>
               <a:t>Fifth level</a:t>
             </a:r>
+            <a:endParaRPr lang="en-US"/>
           </a:p>
         </p:txBody>
       </p:sp>
@@ -1756,15 +1703,13 @@
         <p:nvSpPr>
           <p:cNvPr id="6" name="Rectangle 4"/>
           <p:cNvSpPr>
-            <a:spLocks noGrp="1" noChangeArrowheads="1"/>
+            <a:spLocks noGrp="true" noChangeArrowheads="true"/>
           </p:cNvSpPr>
           <p:nvPr>
             <p:ph type="sldNum" sz="quarter" idx="11"/>
           </p:nvPr>
         </p:nvSpPr>
-        <p:spPr>
-          <a:ln/>
-        </p:spPr>
+        <p:spPr/>
         <p:txBody>
           <a:bodyPr/>
           <a:lstStyle>
@@ -1778,10 +1723,6 @@
             </a:pPr>
             <a:fld id="{A86CC632-9864-46F1-8EAB-FCD3BB9CEC9A}" type="slidenum">
               <a:rPr lang="en-US"/>
-              <a:pPr>
-                <a:defRPr/>
-              </a:pPr>
-              <a:t>‹#›</a:t>
             </a:fld>
             <a:endParaRPr lang="en-US" dirty="0"/>
           </a:p>
@@ -1791,15 +1732,13 @@
         <p:nvSpPr>
           <p:cNvPr id="7" name="Rectangle 5"/>
           <p:cNvSpPr>
-            <a:spLocks noGrp="1" noChangeArrowheads="1"/>
+            <a:spLocks noGrp="true" noChangeArrowheads="true"/>
           </p:cNvSpPr>
           <p:nvPr>
             <p:ph type="ftr" sz="quarter" idx="12"/>
           </p:nvPr>
         </p:nvSpPr>
-        <p:spPr>
-          <a:ln/>
-        </p:spPr>
+        <p:spPr/>
         <p:txBody>
           <a:bodyPr/>
           <a:lstStyle>
@@ -1815,6 +1754,7 @@
               <a:rPr lang="en-US" dirty="0"/>
               <a:t>Copyright © 2017 Elephant Scale. All rights reserved.</a:t>
             </a:r>
+            <a:endParaRPr lang="en-US" dirty="0"/>
           </a:p>
         </p:txBody>
       </p:sp>
@@ -1855,7 +1795,7 @@
         <p:nvSpPr>
           <p:cNvPr id="1026" name="Rectangle 2"/>
           <p:cNvSpPr>
-            <a:spLocks noGrp="1" noChangeArrowheads="1"/>
+            <a:spLocks noGrp="true" noChangeArrowheads="true"/>
           </p:cNvSpPr>
           <p:nvPr>
             <p:ph type="body" idx="1"/>
@@ -1873,15 +1813,10 @@
           <a:ln w="9525">
             <a:noFill/>
             <a:miter lim="800000"/>
-            <a:headEnd/>
-            <a:tailEnd/>
           </a:ln>
         </p:spPr>
         <p:txBody>
-          <a:bodyPr vert="horz" wrap="square" lIns="92007" tIns="46005" rIns="92007" bIns="46005" numCol="1" anchor="t" anchorCtr="0" compatLnSpc="1">
-            <a:prstTxWarp prst="textNoShape">
-              <a:avLst/>
-            </a:prstTxWarp>
+          <a:bodyPr vert="horz" wrap="square" lIns="92007" tIns="46005" rIns="92007" bIns="46005" numCol="1" anchor="t" anchorCtr="false" compatLnSpc="true">
             <a:normAutofit/>
           </a:bodyPr>
           <a:lstStyle/>
@@ -1891,6 +1826,7 @@
               <a:rPr lang="en-US" dirty="0"/>
               <a:t>Click to edit Master text styles</a:t>
             </a:r>
+            <a:endParaRPr lang="en-US" dirty="0"/>
           </a:p>
           <a:p>
             <a:pPr lvl="1"/>
@@ -1898,6 +1834,7 @@
               <a:rPr lang="en-US" dirty="0"/>
               <a:t>Second level</a:t>
             </a:r>
+            <a:endParaRPr lang="en-US" dirty="0"/>
           </a:p>
           <a:p>
             <a:pPr lvl="2"/>
@@ -1905,6 +1842,7 @@
               <a:rPr lang="en-US" dirty="0"/>
               <a:t>Third level</a:t>
             </a:r>
+            <a:endParaRPr lang="en-US" dirty="0"/>
           </a:p>
           <a:p>
             <a:pPr lvl="3"/>
@@ -1912,6 +1850,7 @@
               <a:rPr lang="en-US" dirty="0"/>
               <a:t>Fourth level</a:t>
             </a:r>
+            <a:endParaRPr lang="en-US" dirty="0"/>
           </a:p>
           <a:p>
             <a:pPr lvl="4"/>
@@ -1919,6 +1858,7 @@
               <a:rPr lang="en-US" dirty="0"/>
               <a:t>Fifth level</a:t>
             </a:r>
+            <a:endParaRPr lang="en-US" dirty="0"/>
           </a:p>
         </p:txBody>
       </p:sp>
@@ -1926,7 +1866,7 @@
         <p:nvSpPr>
           <p:cNvPr id="1103876" name="Rectangle 4"/>
           <p:cNvSpPr>
-            <a:spLocks noGrp="1" noChangeArrowheads="1"/>
+            <a:spLocks noGrp="true" noChangeArrowheads="true"/>
           </p:cNvSpPr>
           <p:nvPr>
             <p:ph type="sldNum" sz="quarter" idx="4"/>
@@ -1944,26 +1884,20 @@
           <a:ln w="9525">
             <a:noFill/>
             <a:miter lim="800000"/>
-            <a:headEnd/>
-            <a:tailEnd/>
           </a:ln>
           <a:effectLst/>
         </p:spPr>
         <p:txBody>
-          <a:bodyPr vert="horz" wrap="square" lIns="0" tIns="0" rIns="0" bIns="0" numCol="1" anchor="b" anchorCtr="0" compatLnSpc="1">
-            <a:prstTxWarp prst="textNoShape">
-              <a:avLst/>
-            </a:prstTxWarp>
-          </a:bodyPr>
+          <a:bodyPr vert="horz" wrap="square" lIns="0" tIns="0" rIns="0" bIns="0" numCol="1" anchor="b" anchorCtr="false" compatLnSpc="true"/>
           <a:lstStyle>
             <a:lvl1pPr algn="r" eaLnBrk="0" hangingPunct="0">
               <a:defRPr b="1">
                 <a:solidFill>
                   <a:srgbClr val="000000"/>
                 </a:solidFill>
-                <a:latin typeface="Arial" charset="0"/>
-                <a:ea typeface="ＭＳ Ｐゴシック" charset="0"/>
-                <a:cs typeface="ＭＳ Ｐゴシック" charset="0"/>
+                <a:latin typeface="Arial" panose="020B0604020202020204" pitchFamily="34" charset="0"/>
+                <a:ea typeface="MS PGothic" charset="0"/>
+                <a:cs typeface="MS PGothic" charset="0"/>
               </a:defRPr>
             </a:lvl1pPr>
           </a:lstStyle>
@@ -1973,10 +1907,6 @@
             </a:pPr>
             <a:fld id="{77EF9825-4C23-4085-A4E3-B5565466BD91}" type="slidenum">
               <a:rPr lang="en-US"/>
-              <a:pPr>
-                <a:defRPr/>
-              </a:pPr>
-              <a:t>‹#›</a:t>
             </a:fld>
             <a:endParaRPr lang="en-US" dirty="0"/>
           </a:p>
@@ -1986,7 +1916,7 @@
         <p:nvSpPr>
           <p:cNvPr id="1103877" name="Rectangle 5"/>
           <p:cNvSpPr>
-            <a:spLocks noGrp="1" noChangeArrowheads="1"/>
+            <a:spLocks noGrp="true" noChangeArrowheads="true"/>
           </p:cNvSpPr>
           <p:nvPr>
             <p:ph type="ftr" sz="quarter" idx="3"/>
@@ -2004,16 +1934,11 @@
           <a:ln w="9525">
             <a:noFill/>
             <a:miter lim="800000"/>
-            <a:headEnd/>
-            <a:tailEnd/>
           </a:ln>
           <a:effectLst/>
         </p:spPr>
         <p:txBody>
-          <a:bodyPr vert="horz" wrap="square" lIns="0" tIns="0" rIns="0" bIns="0" numCol="1" anchor="t" anchorCtr="0" compatLnSpc="1">
-            <a:prstTxWarp prst="textNoShape">
-              <a:avLst/>
-            </a:prstTxWarp>
+          <a:bodyPr vert="horz" wrap="square" lIns="0" tIns="0" rIns="0" bIns="0" numCol="1" anchor="t" anchorCtr="false" compatLnSpc="true">
             <a:spAutoFit/>
           </a:bodyPr>
           <a:lstStyle>
@@ -2039,19 +1964,20 @@
               <a:rPr lang="en-US" dirty="0"/>
               <a:t>Copyright © 2017 Elephant Scale. All rights reserved.</a:t>
             </a:r>
+            <a:endParaRPr lang="en-US" dirty="0"/>
           </a:p>
         </p:txBody>
       </p:sp>
       <p:pic>
         <p:nvPicPr>
           <p:cNvPr id="1030" name="Picture 6"/>
-          <p:cNvPicPr preferRelativeResize="0">
-            <a:picLocks noChangeArrowheads="1"/>
+          <p:cNvPicPr preferRelativeResize="false">
+            <a:picLocks noChangeArrowheads="true"/>
           </p:cNvPicPr>
           <p:nvPr/>
         </p:nvPicPr>
         <p:blipFill>
-          <a:blip r:embed="rId6"/>
+          <a:blip r:embed="rId5"/>
           <a:srcRect/>
           <a:stretch>
             <a:fillRect/>
@@ -2078,7 +2004,7 @@
         <p:nvSpPr>
           <p:cNvPr id="1031" name="Rectangle 7"/>
           <p:cNvSpPr>
-            <a:spLocks noGrp="1" noChangeArrowheads="1"/>
+            <a:spLocks noGrp="true" noChangeArrowheads="true"/>
           </p:cNvSpPr>
           <p:nvPr>
             <p:ph type="title"/>
@@ -2098,16 +2024,10 @@
           <a:ln w="9525">
             <a:noFill/>
             <a:miter lim="800000"/>
-            <a:headEnd/>
-            <a:tailEnd/>
           </a:ln>
         </p:spPr>
         <p:txBody>
-          <a:bodyPr vert="horz" wrap="square" lIns="92007" tIns="46005" rIns="92007" bIns="46005" numCol="1" anchor="b" anchorCtr="0" compatLnSpc="1">
-            <a:prstTxWarp prst="textNoShape">
-              <a:avLst/>
-            </a:prstTxWarp>
-          </a:bodyPr>
+          <a:bodyPr vert="horz" wrap="square" lIns="92007" tIns="46005" rIns="92007" bIns="46005" numCol="1" anchor="b" anchorCtr="false" compatLnSpc="true"/>
           <a:lstStyle/>
           <a:p>
             <a:pPr lvl="0"/>
@@ -2115,6 +2035,7 @@
               <a:rPr lang="en-US" dirty="0"/>
               <a:t>Click to edit Master title style</a:t>
             </a:r>
+            <a:endParaRPr lang="en-US" dirty="0"/>
           </a:p>
         </p:txBody>
       </p:sp>
@@ -2122,10 +2043,10 @@
   </p:cSld>
   <p:clrMap bg1="dk2" tx1="lt1" bg2="dk1" tx2="lt2" accent1="accent1" accent2="accent2" accent3="accent3" accent4="accent4" accent5="accent5" accent6="accent6" hlink="hlink" folHlink="folHlink"/>
   <p:sldLayoutIdLst>
-    <p:sldLayoutId id="2147483656" r:id="rId1"/>
-    <p:sldLayoutId id="2147483655" r:id="rId2"/>
-    <p:sldLayoutId id="2147483654" r:id="rId3"/>
-    <p:sldLayoutId id="2147483653" r:id="rId4"/>
+    <p:sldLayoutId id="2147483649" r:id="rId1"/>
+    <p:sldLayoutId id="2147483650" r:id="rId2"/>
+    <p:sldLayoutId id="2147483651" r:id="rId3"/>
+    <p:sldLayoutId id="2147483652" r:id="rId4"/>
   </p:sldLayoutIdLst>
   <p:hf hdr="0" dt="0"/>
   <p:txStyles>
@@ -2142,8 +2063,8 @@
             <a:schemeClr val="tx1"/>
           </a:solidFill>
           <a:latin typeface="+mj-lt"/>
-          <a:ea typeface="ＭＳ Ｐゴシック" pitchFamily="-110" charset="-128"/>
-          <a:cs typeface="ＭＳ Ｐゴシック" pitchFamily="-110" charset="-128"/>
+          <a:ea typeface="MS PGothic" pitchFamily="-110" charset="-128"/>
+          <a:cs typeface="MS PGothic" pitchFamily="-110" charset="-128"/>
         </a:defRPr>
       </a:lvl1pPr>
       <a:lvl2pPr algn="l" rtl="0" eaLnBrk="0" fontAlgn="base" hangingPunct="0">
@@ -2157,9 +2078,9 @@
           <a:solidFill>
             <a:schemeClr val="tx1"/>
           </a:solidFill>
-          <a:latin typeface="Verdana" pitchFamily="-110" charset="0"/>
-          <a:ea typeface="ＭＳ Ｐゴシック" pitchFamily="-110" charset="-128"/>
-          <a:cs typeface="ＭＳ Ｐゴシック" pitchFamily="-110" charset="-128"/>
+          <a:latin typeface="Verdana" panose="020B0604030504040204" pitchFamily="-110" charset="0"/>
+          <a:ea typeface="MS PGothic" pitchFamily="-110" charset="-128"/>
+          <a:cs typeface="MS PGothic" pitchFamily="-110" charset="-128"/>
         </a:defRPr>
       </a:lvl2pPr>
       <a:lvl3pPr algn="l" rtl="0" eaLnBrk="0" fontAlgn="base" hangingPunct="0">
@@ -2173,9 +2094,9 @@
           <a:solidFill>
             <a:schemeClr val="tx1"/>
           </a:solidFill>
-          <a:latin typeface="Verdana" pitchFamily="-110" charset="0"/>
-          <a:ea typeface="ＭＳ Ｐゴシック" pitchFamily="-110" charset="-128"/>
-          <a:cs typeface="ＭＳ Ｐゴシック" pitchFamily="-110" charset="-128"/>
+          <a:latin typeface="Verdana" panose="020B0604030504040204" pitchFamily="-110" charset="0"/>
+          <a:ea typeface="MS PGothic" pitchFamily="-110" charset="-128"/>
+          <a:cs typeface="MS PGothic" pitchFamily="-110" charset="-128"/>
         </a:defRPr>
       </a:lvl3pPr>
       <a:lvl4pPr algn="l" rtl="0" eaLnBrk="0" fontAlgn="base" hangingPunct="0">
@@ -2189,9 +2110,9 @@
           <a:solidFill>
             <a:schemeClr val="tx1"/>
           </a:solidFill>
-          <a:latin typeface="Verdana" pitchFamily="-110" charset="0"/>
-          <a:ea typeface="ＭＳ Ｐゴシック" pitchFamily="-110" charset="-128"/>
-          <a:cs typeface="ＭＳ Ｐゴシック" pitchFamily="-110" charset="-128"/>
+          <a:latin typeface="Verdana" panose="020B0604030504040204" pitchFamily="-110" charset="0"/>
+          <a:ea typeface="MS PGothic" pitchFamily="-110" charset="-128"/>
+          <a:cs typeface="MS PGothic" pitchFamily="-110" charset="-128"/>
         </a:defRPr>
       </a:lvl4pPr>
       <a:lvl5pPr algn="l" rtl="0" eaLnBrk="0" fontAlgn="base" hangingPunct="0">
@@ -2205,9 +2126,9 @@
           <a:solidFill>
             <a:schemeClr val="tx1"/>
           </a:solidFill>
-          <a:latin typeface="Verdana" pitchFamily="-110" charset="0"/>
-          <a:ea typeface="ＭＳ Ｐゴシック" pitchFamily="-110" charset="-128"/>
-          <a:cs typeface="ＭＳ Ｐゴシック" pitchFamily="-110" charset="-128"/>
+          <a:latin typeface="Verdana" panose="020B0604030504040204" pitchFamily="-110" charset="0"/>
+          <a:ea typeface="MS PGothic" pitchFamily="-110" charset="-128"/>
+          <a:cs typeface="MS PGothic" pitchFamily="-110" charset="-128"/>
         </a:defRPr>
       </a:lvl5pPr>
       <a:lvl6pPr marL="457200" algn="l" rtl="0" eaLnBrk="0" fontAlgn="base" hangingPunct="0">
@@ -2221,7 +2142,7 @@
           <a:solidFill>
             <a:schemeClr val="tx1"/>
           </a:solidFill>
-          <a:latin typeface="Verdana" pitchFamily="-110" charset="0"/>
+          <a:latin typeface="Verdana" panose="020B0604030504040204" pitchFamily="-110" charset="0"/>
         </a:defRPr>
       </a:lvl6pPr>
       <a:lvl7pPr marL="914400" algn="l" rtl="0" eaLnBrk="0" fontAlgn="base" hangingPunct="0">
@@ -2235,7 +2156,7 @@
           <a:solidFill>
             <a:schemeClr val="tx1"/>
           </a:solidFill>
-          <a:latin typeface="Verdana" pitchFamily="-110" charset="0"/>
+          <a:latin typeface="Verdana" panose="020B0604030504040204" pitchFamily="-110" charset="0"/>
         </a:defRPr>
       </a:lvl7pPr>
       <a:lvl8pPr marL="1371600" algn="l" rtl="0" eaLnBrk="0" fontAlgn="base" hangingPunct="0">
@@ -2249,7 +2170,7 @@
           <a:solidFill>
             <a:schemeClr val="tx1"/>
           </a:solidFill>
-          <a:latin typeface="Verdana" pitchFamily="-110" charset="0"/>
+          <a:latin typeface="Verdana" panose="020B0604030504040204" pitchFamily="-110" charset="0"/>
         </a:defRPr>
       </a:lvl8pPr>
       <a:lvl9pPr marL="1828800" algn="l" rtl="0" eaLnBrk="0" fontAlgn="base" hangingPunct="0">
@@ -2263,12 +2184,12 @@
           <a:solidFill>
             <a:schemeClr val="tx1"/>
           </a:solidFill>
-          <a:latin typeface="Verdana" pitchFamily="-110" charset="0"/>
+          <a:latin typeface="Verdana" panose="020B0604030504040204" pitchFamily="-110" charset="0"/>
         </a:defRPr>
       </a:lvl9pPr>
     </p:titleStyle>
     <p:bodyStyle>
-      <a:lvl1pPr marL="290513" indent="-290513" algn="l" rtl="0" eaLnBrk="0" fontAlgn="base" hangingPunct="0">
+      <a:lvl1pPr marL="290830" indent="-290830" algn="l" rtl="0" eaLnBrk="0" fontAlgn="base" hangingPunct="0">
         <a:spcBef>
           <a:spcPct val="20000"/>
         </a:spcBef>
@@ -2279,18 +2200,18 @@
           <a:schemeClr val="tx2"/>
         </a:buClr>
         <a:buSzPct val="65000"/>
-        <a:buFont typeface="Wingdings" pitchFamily="2" charset="2"/>
+        <a:buFont typeface="Wingdings" panose="05000000000000000000" pitchFamily="2" charset="2"/>
         <a:buChar char=""/>
         <a:defRPr sz="2400">
           <a:solidFill>
             <a:srgbClr val="000000"/>
           </a:solidFill>
           <a:latin typeface="+mn-lt"/>
-          <a:ea typeface="ＭＳ Ｐゴシック" pitchFamily="-110" charset="-128"/>
-          <a:cs typeface="ＭＳ Ｐゴシック" pitchFamily="-110" charset="-128"/>
+          <a:ea typeface="MS PGothic" pitchFamily="-110" charset="-128"/>
+          <a:cs typeface="MS PGothic" pitchFamily="-110" charset="-128"/>
         </a:defRPr>
       </a:lvl1pPr>
-      <a:lvl2pPr marL="633413" indent="-228600" algn="l" rtl="0" eaLnBrk="0" fontAlgn="base" hangingPunct="0">
+      <a:lvl2pPr marL="633730" indent="-228600" algn="l" rtl="0" eaLnBrk="0" fontAlgn="base" hangingPunct="0">
         <a:spcBef>
           <a:spcPct val="20000"/>
         </a:spcBef>
@@ -2306,11 +2227,11 @@
             <a:srgbClr val="000000"/>
           </a:solidFill>
           <a:latin typeface="+mn-lt"/>
-          <a:ea typeface="ＭＳ Ｐゴシック" pitchFamily="-110" charset="-128"/>
-          <a:cs typeface="ＭＳ Ｐゴシック"/>
+          <a:ea typeface="MS PGothic" pitchFamily="-110" charset="-128"/>
+          <a:cs typeface="MS PGothic"/>
         </a:defRPr>
       </a:lvl2pPr>
-      <a:lvl3pPr marL="969963" indent="-222250" algn="l" rtl="0" eaLnBrk="0" fontAlgn="base" hangingPunct="0">
+      <a:lvl3pPr marL="970280" indent="-222250" algn="l" rtl="0" eaLnBrk="0" fontAlgn="base" hangingPunct="0">
         <a:spcBef>
           <a:spcPct val="20000"/>
         </a:spcBef>
@@ -2323,11 +2244,11 @@
             <a:srgbClr val="000000"/>
           </a:solidFill>
           <a:latin typeface="+mn-lt"/>
-          <a:ea typeface="ＭＳ Ｐゴシック" pitchFamily="-110" charset="-128"/>
-          <a:cs typeface="ＭＳ Ｐゴシック"/>
+          <a:ea typeface="MS PGothic" pitchFamily="-110" charset="-128"/>
+          <a:cs typeface="MS PGothic"/>
         </a:defRPr>
       </a:lvl3pPr>
-      <a:lvl4pPr marL="1258888" indent="-228600" algn="l" rtl="0" eaLnBrk="0" fontAlgn="base" hangingPunct="0">
+      <a:lvl4pPr marL="1259205" indent="-228600" algn="l" rtl="0" eaLnBrk="0" fontAlgn="base" hangingPunct="0">
         <a:spcBef>
           <a:spcPct val="0"/>
         </a:spcBef>
@@ -2345,11 +2266,11 @@
             <a:srgbClr val="000000"/>
           </a:solidFill>
           <a:latin typeface="+mn-lt"/>
-          <a:ea typeface="ＭＳ Ｐゴシック" pitchFamily="-110" charset="-128"/>
-          <a:cs typeface="ＭＳ Ｐゴシック"/>
+          <a:ea typeface="MS PGothic" pitchFamily="-110" charset="-128"/>
+          <a:cs typeface="MS PGothic"/>
         </a:defRPr>
       </a:lvl4pPr>
-      <a:lvl5pPr marL="2055813" indent="-230188" algn="l" rtl="0" eaLnBrk="0" fontAlgn="base" hangingPunct="0">
+      <a:lvl5pPr marL="2056130" indent="-230505" algn="l" rtl="0" eaLnBrk="0" fontAlgn="base" hangingPunct="0">
         <a:spcBef>
           <a:spcPct val="20000"/>
         </a:spcBef>
@@ -2363,12 +2284,12 @@
           <a:solidFill>
             <a:schemeClr val="tx1"/>
           </a:solidFill>
-          <a:latin typeface="Times New Roman" pitchFamily="-110" charset="0"/>
-          <a:ea typeface="ＭＳ Ｐゴシック" pitchFamily="-110" charset="-128"/>
-          <a:cs typeface="ＭＳ Ｐゴシック"/>
+          <a:latin typeface="Times New Roman" panose="02020603050405020304" charset="0"/>
+          <a:ea typeface="MS PGothic" pitchFamily="-110" charset="-128"/>
+          <a:cs typeface="MS PGothic"/>
         </a:defRPr>
       </a:lvl5pPr>
-      <a:lvl6pPr marL="2513013" indent="-230188" algn="l" rtl="0" eaLnBrk="0" fontAlgn="base" hangingPunct="0">
+      <a:lvl6pPr marL="2513330" indent="-230505" algn="l" rtl="0" eaLnBrk="0" fontAlgn="base" hangingPunct="0">
         <a:spcBef>
           <a:spcPct val="20000"/>
         </a:spcBef>
@@ -2382,11 +2303,11 @@
           <a:solidFill>
             <a:schemeClr val="tx1"/>
           </a:solidFill>
-          <a:latin typeface="Times New Roman" pitchFamily="-110" charset="0"/>
-          <a:ea typeface="ＭＳ Ｐゴシック" pitchFamily="-110" charset="-128"/>
+          <a:latin typeface="Times New Roman" panose="02020603050405020304" charset="0"/>
+          <a:ea typeface="MS PGothic" pitchFamily="-110" charset="-128"/>
         </a:defRPr>
       </a:lvl6pPr>
-      <a:lvl7pPr marL="2970213" indent="-230188" algn="l" rtl="0" eaLnBrk="0" fontAlgn="base" hangingPunct="0">
+      <a:lvl7pPr marL="2970530" indent="-230505" algn="l" rtl="0" eaLnBrk="0" fontAlgn="base" hangingPunct="0">
         <a:spcBef>
           <a:spcPct val="20000"/>
         </a:spcBef>
@@ -2400,11 +2321,11 @@
           <a:solidFill>
             <a:schemeClr val="tx1"/>
           </a:solidFill>
-          <a:latin typeface="Times New Roman" pitchFamily="-110" charset="0"/>
-          <a:ea typeface="ＭＳ Ｐゴシック" pitchFamily="-110" charset="-128"/>
+          <a:latin typeface="Times New Roman" panose="02020603050405020304" charset="0"/>
+          <a:ea typeface="MS PGothic" pitchFamily="-110" charset="-128"/>
         </a:defRPr>
       </a:lvl7pPr>
-      <a:lvl8pPr marL="3427413" indent="-230188" algn="l" rtl="0" eaLnBrk="0" fontAlgn="base" hangingPunct="0">
+      <a:lvl8pPr marL="3427730" indent="-230505" algn="l" rtl="0" eaLnBrk="0" fontAlgn="base" hangingPunct="0">
         <a:spcBef>
           <a:spcPct val="20000"/>
         </a:spcBef>
@@ -2418,11 +2339,11 @@
           <a:solidFill>
             <a:schemeClr val="tx1"/>
           </a:solidFill>
-          <a:latin typeface="Times New Roman" pitchFamily="-110" charset="0"/>
-          <a:ea typeface="ＭＳ Ｐゴシック" pitchFamily="-110" charset="-128"/>
+          <a:latin typeface="Times New Roman" panose="02020603050405020304" charset="0"/>
+          <a:ea typeface="MS PGothic" pitchFamily="-110" charset="-128"/>
         </a:defRPr>
       </a:lvl8pPr>
-      <a:lvl9pPr marL="3884613" indent="-230188" algn="l" rtl="0" eaLnBrk="0" fontAlgn="base" hangingPunct="0">
+      <a:lvl9pPr marL="3884930" indent="-230505" algn="l" rtl="0" eaLnBrk="0" fontAlgn="base" hangingPunct="0">
         <a:spcBef>
           <a:spcPct val="20000"/>
         </a:spcBef>
@@ -2436,8 +2357,8 @@
           <a:solidFill>
             <a:schemeClr val="tx1"/>
           </a:solidFill>
-          <a:latin typeface="Times New Roman" pitchFamily="-110" charset="0"/>
-          <a:ea typeface="ＭＳ Ｐゴシック" pitchFamily="-110" charset="-128"/>
+          <a:latin typeface="Times New Roman" panose="02020603050405020304" charset="0"/>
+          <a:ea typeface="MS PGothic" pitchFamily="-110" charset="-128"/>
         </a:defRPr>
       </a:lvl9pPr>
     </p:bodyStyle>
@@ -2541,7 +2462,7 @@
 </file>
 
 <file path=ppt/slides/slide1.xml><?xml version="1.0" encoding="utf-8"?>
-<p:sld xmlns:a="http://schemas.openxmlformats.org/drawingml/2006/main" xmlns:p="http://schemas.openxmlformats.org/presentationml/2006/main" xmlns:r="http://schemas.openxmlformats.org/officeDocument/2006/relationships">
+<p:sld xmlns:a="http://schemas.openxmlformats.org/drawingml/2006/main" xmlns:r="http://schemas.openxmlformats.org/officeDocument/2006/relationships" xmlns:p="http://schemas.openxmlformats.org/presentationml/2006/main">
   <p:cSld>
     <p:spTree>
       <p:nvGrpSpPr>
@@ -2554,10 +2475,10 @@
         <p:nvSpPr>
           <p:cNvPr id="2" name="Subtitle 1"/>
           <p:cNvSpPr>
-            <a:spLocks noGrp="1"/>
-          </p:cNvSpPr>
-          <p:nvPr>
-            <p:ph type="subTitle" idx="1" sz="quarter"/>
+            <a:spLocks noGrp="true"/>
+          </p:cNvSpPr>
+          <p:nvPr>
+            <p:ph type="subTitle" sz="quarter" idx="1"/>
           </p:nvPr>
         </p:nvSpPr>
         <p:spPr/>
@@ -2571,7 +2492,7 @@
         <p:nvSpPr>
           <p:cNvPr id="3" name="Title 2"/>
           <p:cNvSpPr>
-            <a:spLocks noGrp="1"/>
+            <a:spLocks noGrp="true"/>
           </p:cNvSpPr>
           <p:nvPr>
             <p:ph type="ctrTitle" sz="quarter"/>
@@ -2594,7 +2515,7 @@
       <p:sp>
         <p:nvSpPr>
           <p:cNvPr id="4" name="TextBox 3"/>
-          <p:cNvSpPr txBox="1"/>
+          <p:cNvSpPr txBox="true"/>
           <p:nvPr/>
         </p:nvSpPr>
         <p:spPr>
@@ -2621,6 +2542,11 @@
               </a:rPr>
               <a:t>Copyright © 2021 by Elephant Scale, All Rights Reserved</a:t>
             </a:r>
+            <a:endParaRPr sz="800">
+              <a:solidFill>
+                <a:srgbClr val="000000"/>
+              </a:solidFill>
+            </a:endParaRPr>
           </a:p>
         </p:txBody>
       </p:sp>
@@ -2633,7 +2559,7 @@
 </file>
 
 <file path=ppt/slides/slide10.xml><?xml version="1.0" encoding="utf-8"?>
-<p:sld xmlns:a="http://schemas.openxmlformats.org/drawingml/2006/main" xmlns:p="http://schemas.openxmlformats.org/presentationml/2006/main" xmlns:r="http://schemas.openxmlformats.org/officeDocument/2006/relationships">
+<p:sld xmlns:a="http://schemas.openxmlformats.org/drawingml/2006/main" xmlns:r="http://schemas.openxmlformats.org/officeDocument/2006/relationships" xmlns:p="http://schemas.openxmlformats.org/presentationml/2006/main">
   <p:cSld>
     <p:spTree>
       <p:nvGrpSpPr>
@@ -2646,7 +2572,7 @@
         <p:nvSpPr>
           <p:cNvPr id="2" name="Title 1"/>
           <p:cNvSpPr>
-            <a:spLocks noGrp="1"/>
+            <a:spLocks noGrp="true"/>
           </p:cNvSpPr>
           <p:nvPr>
             <p:ph type="title"/>
@@ -2667,7 +2593,7 @@
         <p:nvSpPr>
           <p:cNvPr id="3" name="Content Placeholder 2"/>
           <p:cNvSpPr>
-            <a:spLocks noGrp="1"/>
+            <a:spLocks noGrp="true"/>
           </p:cNvSpPr>
           <p:nvPr>
             <p:ph idx="1"/>
@@ -2704,7 +2630,7 @@
       <p:sp>
         <p:nvSpPr>
           <p:cNvPr id="4" name="TextBox 3"/>
-          <p:cNvSpPr txBox="1"/>
+          <p:cNvSpPr txBox="true"/>
           <p:nvPr/>
         </p:nvSpPr>
         <p:spPr>
@@ -2731,6 +2657,11 @@
               </a:rPr>
               <a:t>Copyright © 2021 by Elephant Scale, All Rights Reserved</a:t>
             </a:r>
+            <a:endParaRPr sz="800">
+              <a:solidFill>
+                <a:srgbClr val="000000"/>
+              </a:solidFill>
+            </a:endParaRPr>
           </a:p>
         </p:txBody>
       </p:sp>
@@ -2738,12 +2669,12 @@
         <p:nvPicPr>
           <p:cNvPr id="5" name="Picture 4" descr="ansible.png"/>
           <p:cNvPicPr>
-            <a:picLocks noChangeAspect="1"/>
+            <a:picLocks noChangeAspect="true"/>
           </p:cNvPicPr>
           <p:nvPr/>
         </p:nvPicPr>
         <p:blipFill>
-          <a:blip r:embed="rId2"/>
+          <a:blip r:embed="rId1"/>
           <a:stretch>
             <a:fillRect/>
           </a:stretch>
@@ -2767,7 +2698,7 @@
 </file>
 
 <file path=ppt/slides/slide11.xml><?xml version="1.0" encoding="utf-8"?>
-<p:sld xmlns:a="http://schemas.openxmlformats.org/drawingml/2006/main" xmlns:p="http://schemas.openxmlformats.org/presentationml/2006/main" xmlns:r="http://schemas.openxmlformats.org/officeDocument/2006/relationships">
+<p:sld xmlns:a="http://schemas.openxmlformats.org/drawingml/2006/main" xmlns:r="http://schemas.openxmlformats.org/officeDocument/2006/relationships" xmlns:p="http://schemas.openxmlformats.org/presentationml/2006/main">
   <p:cSld>
     <p:spTree>
       <p:nvGrpSpPr>
@@ -2780,7 +2711,7 @@
         <p:nvSpPr>
           <p:cNvPr id="2" name="Title 1"/>
           <p:cNvSpPr>
-            <a:spLocks noGrp="1"/>
+            <a:spLocks noGrp="true"/>
           </p:cNvSpPr>
           <p:nvPr>
             <p:ph type="title"/>
@@ -2801,7 +2732,7 @@
         <p:nvSpPr>
           <p:cNvPr id="3" name="Content Placeholder 2"/>
           <p:cNvSpPr>
-            <a:spLocks noGrp="1"/>
+            <a:spLocks noGrp="true"/>
           </p:cNvSpPr>
           <p:nvPr>
             <p:ph idx="1"/>
@@ -2834,7 +2765,7 @@
       <p:sp>
         <p:nvSpPr>
           <p:cNvPr id="4" name="TextBox 3"/>
-          <p:cNvSpPr txBox="1"/>
+          <p:cNvSpPr txBox="true"/>
           <p:nvPr/>
         </p:nvSpPr>
         <p:spPr>
@@ -2861,6 +2792,11 @@
               </a:rPr>
               <a:t>Copyright © 2021 by Elephant Scale, All Rights Reserved</a:t>
             </a:r>
+            <a:endParaRPr sz="800">
+              <a:solidFill>
+                <a:srgbClr val="000000"/>
+              </a:solidFill>
+            </a:endParaRPr>
           </a:p>
         </p:txBody>
       </p:sp>
@@ -2868,20 +2804,20 @@
         <p:nvPicPr>
           <p:cNvPr id="5" name="Picture 4" descr="packer-script.png"/>
           <p:cNvPicPr>
-            <a:picLocks noChangeAspect="1"/>
+            <a:picLocks noChangeAspect="true"/>
           </p:cNvPicPr>
           <p:nvPr/>
         </p:nvPicPr>
         <p:blipFill>
-          <a:blip r:embed="rId2"/>
+          <a:blip r:embed="rId1"/>
           <a:stretch>
             <a:fillRect/>
           </a:stretch>
         </p:blipFill>
         <p:spPr>
           <a:xfrm>
-            <a:off x="704088" y="1353312"/>
-            <a:ext cx="7507224" cy="9645736"/>
+            <a:off x="704215" y="1353185"/>
+            <a:ext cx="4977130" cy="6395085"/>
           </a:xfrm>
           <a:prstGeom prst="rect">
             <a:avLst/>
@@ -2897,7 +2833,7 @@
 </file>
 
 <file path=ppt/slides/slide12.xml><?xml version="1.0" encoding="utf-8"?>
-<p:sld xmlns:a="http://schemas.openxmlformats.org/drawingml/2006/main" xmlns:p="http://schemas.openxmlformats.org/presentationml/2006/main" xmlns:r="http://schemas.openxmlformats.org/officeDocument/2006/relationships">
+<p:sld xmlns:a="http://schemas.openxmlformats.org/drawingml/2006/main" xmlns:r="http://schemas.openxmlformats.org/officeDocument/2006/relationships" xmlns:p="http://schemas.openxmlformats.org/presentationml/2006/main">
   <p:cSld>
     <p:spTree>
       <p:nvGrpSpPr>
@@ -2910,7 +2846,7 @@
         <p:nvSpPr>
           <p:cNvPr id="2" name="Title 1"/>
           <p:cNvSpPr>
-            <a:spLocks noGrp="1"/>
+            <a:spLocks noGrp="true"/>
           </p:cNvSpPr>
           <p:nvPr>
             <p:ph type="title"/>
@@ -2931,7 +2867,7 @@
         <p:nvSpPr>
           <p:cNvPr id="3" name="Content Placeholder 2"/>
           <p:cNvSpPr>
-            <a:spLocks noGrp="1"/>
+            <a:spLocks noGrp="true"/>
           </p:cNvSpPr>
           <p:nvPr>
             <p:ph idx="1"/>
@@ -2960,7 +2896,7 @@
       <p:sp>
         <p:nvSpPr>
           <p:cNvPr id="4" name="TextBox 3"/>
-          <p:cNvSpPr txBox="1"/>
+          <p:cNvSpPr txBox="true"/>
           <p:nvPr/>
         </p:nvSpPr>
         <p:spPr>
@@ -2987,6 +2923,11 @@
               </a:rPr>
               <a:t>Copyright © 2021 by Elephant Scale, All Rights Reserved</a:t>
             </a:r>
+            <a:endParaRPr sz="800">
+              <a:solidFill>
+                <a:srgbClr val="000000"/>
+              </a:solidFill>
+            </a:endParaRPr>
           </a:p>
         </p:txBody>
       </p:sp>
@@ -2994,12 +2935,12 @@
         <p:nvPicPr>
           <p:cNvPr id="5" name="Picture 4" descr="images-containers.png"/>
           <p:cNvPicPr>
-            <a:picLocks noChangeAspect="1"/>
+            <a:picLocks noChangeAspect="true"/>
           </p:cNvPicPr>
           <p:nvPr/>
         </p:nvPicPr>
         <p:blipFill>
-          <a:blip r:embed="rId2"/>
+          <a:blip r:embed="rId1"/>
           <a:stretch>
             <a:fillRect/>
           </a:stretch>
@@ -3023,7 +2964,7 @@
 </file>
 
 <file path=ppt/slides/slide13.xml><?xml version="1.0" encoding="utf-8"?>
-<p:sld xmlns:a="http://schemas.openxmlformats.org/drawingml/2006/main" xmlns:p="http://schemas.openxmlformats.org/presentationml/2006/main" xmlns:r="http://schemas.openxmlformats.org/officeDocument/2006/relationships">
+<p:sld xmlns:a="http://schemas.openxmlformats.org/drawingml/2006/main" xmlns:r="http://schemas.openxmlformats.org/officeDocument/2006/relationships" xmlns:p="http://schemas.openxmlformats.org/presentationml/2006/main">
   <p:cSld>
     <p:spTree>
       <p:nvGrpSpPr>
@@ -3036,7 +2977,7 @@
         <p:nvSpPr>
           <p:cNvPr id="2" name="Title 1"/>
           <p:cNvSpPr>
-            <a:spLocks noGrp="1"/>
+            <a:spLocks noGrp="true"/>
           </p:cNvSpPr>
           <p:nvPr>
             <p:ph type="title"/>
@@ -3057,7 +2998,7 @@
         <p:nvSpPr>
           <p:cNvPr id="3" name="Content Placeholder 2"/>
           <p:cNvSpPr>
-            <a:spLocks noGrp="1"/>
+            <a:spLocks noGrp="true"/>
           </p:cNvSpPr>
           <p:nvPr>
             <p:ph idx="1"/>
@@ -3124,7 +3065,7 @@
       <p:sp>
         <p:nvSpPr>
           <p:cNvPr id="4" name="TextBox 3"/>
-          <p:cNvSpPr txBox="1"/>
+          <p:cNvSpPr txBox="true"/>
           <p:nvPr/>
         </p:nvSpPr>
         <p:spPr>
@@ -3151,6 +3092,11 @@
               </a:rPr>
               <a:t>Copyright © 2021 by Elephant Scale, All Rights Reserved</a:t>
             </a:r>
+            <a:endParaRPr sz="800">
+              <a:solidFill>
+                <a:srgbClr val="000000"/>
+              </a:solidFill>
+            </a:endParaRPr>
           </a:p>
         </p:txBody>
       </p:sp>
@@ -3163,7 +3109,7 @@
 </file>
 
 <file path=ppt/slides/slide14.xml><?xml version="1.0" encoding="utf-8"?>
-<p:sld xmlns:a="http://schemas.openxmlformats.org/drawingml/2006/main" xmlns:p="http://schemas.openxmlformats.org/presentationml/2006/main" xmlns:r="http://schemas.openxmlformats.org/officeDocument/2006/relationships">
+<p:sld xmlns:a="http://schemas.openxmlformats.org/drawingml/2006/main" xmlns:r="http://schemas.openxmlformats.org/officeDocument/2006/relationships" xmlns:p="http://schemas.openxmlformats.org/presentationml/2006/main">
   <p:cSld>
     <p:spTree>
       <p:nvGrpSpPr>
@@ -3176,7 +3122,7 @@
         <p:nvSpPr>
           <p:cNvPr id="2" name="Title 1"/>
           <p:cNvSpPr>
-            <a:spLocks noGrp="1"/>
+            <a:spLocks noGrp="true"/>
           </p:cNvSpPr>
           <p:nvPr>
             <p:ph type="title"/>
@@ -3197,7 +3143,7 @@
         <p:nvSpPr>
           <p:cNvPr id="3" name="Content Placeholder 2"/>
           <p:cNvSpPr>
-            <a:spLocks noGrp="1"/>
+            <a:spLocks noGrp="true"/>
           </p:cNvSpPr>
           <p:nvPr>
             <p:ph idx="1"/>
@@ -3269,7 +3215,7 @@
       <p:sp>
         <p:nvSpPr>
           <p:cNvPr id="4" name="TextBox 3"/>
-          <p:cNvSpPr txBox="1"/>
+          <p:cNvSpPr txBox="true"/>
           <p:nvPr/>
         </p:nvSpPr>
         <p:spPr>
@@ -3296,6 +3242,11 @@
               </a:rPr>
               <a:t>Copyright © 2021 by Elephant Scale, All Rights Reserved</a:t>
             </a:r>
+            <a:endParaRPr sz="800">
+              <a:solidFill>
+                <a:srgbClr val="000000"/>
+              </a:solidFill>
+            </a:endParaRPr>
           </a:p>
         </p:txBody>
       </p:sp>
@@ -3308,7 +3259,7 @@
 </file>
 
 <file path=ppt/slides/slide15.xml><?xml version="1.0" encoding="utf-8"?>
-<p:sld xmlns:a="http://schemas.openxmlformats.org/drawingml/2006/main" xmlns:p="http://schemas.openxmlformats.org/presentationml/2006/main" xmlns:r="http://schemas.openxmlformats.org/officeDocument/2006/relationships">
+<p:sld xmlns:a="http://schemas.openxmlformats.org/drawingml/2006/main" xmlns:r="http://schemas.openxmlformats.org/officeDocument/2006/relationships" xmlns:p="http://schemas.openxmlformats.org/presentationml/2006/main">
   <p:cSld>
     <p:spTree>
       <p:nvGrpSpPr>
@@ -3321,7 +3272,7 @@
         <p:nvSpPr>
           <p:cNvPr id="2" name="Title 1"/>
           <p:cNvSpPr>
-            <a:spLocks noGrp="1"/>
+            <a:spLocks noGrp="true"/>
           </p:cNvSpPr>
           <p:nvPr>
             <p:ph type="title"/>
@@ -3342,7 +3293,7 @@
         <p:nvSpPr>
           <p:cNvPr id="3" name="Content Placeholder 2"/>
           <p:cNvSpPr>
-            <a:spLocks noGrp="1"/>
+            <a:spLocks noGrp="true"/>
           </p:cNvSpPr>
           <p:nvPr>
             <p:ph idx="1"/>
@@ -3423,7 +3374,7 @@
       <p:sp>
         <p:nvSpPr>
           <p:cNvPr id="4" name="TextBox 3"/>
-          <p:cNvSpPr txBox="1"/>
+          <p:cNvSpPr txBox="true"/>
           <p:nvPr/>
         </p:nvSpPr>
         <p:spPr>
@@ -3450,6 +3401,11 @@
               </a:rPr>
               <a:t>Copyright © 2021 by Elephant Scale, All Rights Reserved</a:t>
             </a:r>
+            <a:endParaRPr sz="800">
+              <a:solidFill>
+                <a:srgbClr val="000000"/>
+              </a:solidFill>
+            </a:endParaRPr>
           </a:p>
         </p:txBody>
       </p:sp>
@@ -3462,7 +3418,7 @@
 </file>
 
 <file path=ppt/slides/slide16.xml><?xml version="1.0" encoding="utf-8"?>
-<p:sld xmlns:a="http://schemas.openxmlformats.org/drawingml/2006/main" xmlns:p="http://schemas.openxmlformats.org/presentationml/2006/main" xmlns:r="http://schemas.openxmlformats.org/officeDocument/2006/relationships">
+<p:sld xmlns:a="http://schemas.openxmlformats.org/drawingml/2006/main" xmlns:r="http://schemas.openxmlformats.org/officeDocument/2006/relationships" xmlns:p="http://schemas.openxmlformats.org/presentationml/2006/main">
   <p:cSld>
     <p:spTree>
       <p:nvGrpSpPr>
@@ -3475,7 +3431,7 @@
         <p:nvSpPr>
           <p:cNvPr id="2" name="Title 1"/>
           <p:cNvSpPr>
-            <a:spLocks noGrp="1"/>
+            <a:spLocks noGrp="true"/>
           </p:cNvSpPr>
           <p:nvPr>
             <p:ph type="title"/>
@@ -3496,7 +3452,7 @@
         <p:nvSpPr>
           <p:cNvPr id="3" name="Content Placeholder 2"/>
           <p:cNvSpPr>
-            <a:spLocks noGrp="1"/>
+            <a:spLocks noGrp="true"/>
           </p:cNvSpPr>
           <p:nvPr>
             <p:ph idx="1"/>
@@ -3547,7 +3503,7 @@
       <p:sp>
         <p:nvSpPr>
           <p:cNvPr id="4" name="TextBox 3"/>
-          <p:cNvSpPr txBox="1"/>
+          <p:cNvSpPr txBox="true"/>
           <p:nvPr/>
         </p:nvSpPr>
         <p:spPr>
@@ -3574,6 +3530,11 @@
               </a:rPr>
               <a:t>Copyright © 2021 by Elephant Scale, All Rights Reserved</a:t>
             </a:r>
+            <a:endParaRPr sz="800">
+              <a:solidFill>
+                <a:srgbClr val="000000"/>
+              </a:solidFill>
+            </a:endParaRPr>
           </a:p>
         </p:txBody>
       </p:sp>
@@ -3581,12 +3542,12 @@
         <p:nvPicPr>
           <p:cNvPr id="5" name="Picture 4" descr="800px-Hendrik_ter_Brugghen_-_Democritus.jpg"/>
           <p:cNvPicPr>
-            <a:picLocks noChangeAspect="1"/>
+            <a:picLocks noChangeAspect="true"/>
           </p:cNvPicPr>
           <p:nvPr/>
         </p:nvPicPr>
         <p:blipFill>
-          <a:blip r:embed="rId2"/>
+          <a:blip r:embed="rId1"/>
           <a:stretch>
             <a:fillRect/>
           </a:stretch>
@@ -3610,7 +3571,7 @@
 </file>
 
 <file path=ppt/slides/slide17.xml><?xml version="1.0" encoding="utf-8"?>
-<p:sld xmlns:a="http://schemas.openxmlformats.org/drawingml/2006/main" xmlns:p="http://schemas.openxmlformats.org/presentationml/2006/main" xmlns:r="http://schemas.openxmlformats.org/officeDocument/2006/relationships">
+<p:sld xmlns:a="http://schemas.openxmlformats.org/drawingml/2006/main" xmlns:r="http://schemas.openxmlformats.org/officeDocument/2006/relationships" xmlns:p="http://schemas.openxmlformats.org/presentationml/2006/main">
   <p:cSld>
     <p:spTree>
       <p:nvGrpSpPr>
@@ -3623,7 +3584,7 @@
         <p:nvSpPr>
           <p:cNvPr id="2" name="Title 1"/>
           <p:cNvSpPr>
-            <a:spLocks noGrp="1"/>
+            <a:spLocks noGrp="true"/>
           </p:cNvSpPr>
           <p:nvPr>
             <p:ph type="title"/>
@@ -3644,7 +3605,7 @@
         <p:nvSpPr>
           <p:cNvPr id="3" name="Content Placeholder 2"/>
           <p:cNvSpPr>
-            <a:spLocks noGrp="1"/>
+            <a:spLocks noGrp="true"/>
           </p:cNvSpPr>
           <p:nvPr>
             <p:ph idx="1"/>
@@ -3665,10 +3626,13 @@
             </a:r>
             <a:r>
               <a:rPr>
-                <a:latin typeface="Courier New"/>
+                <a:latin typeface="Courier New" panose="02070309020205020404"/>
               </a:rPr>
               <a:t> terraform</a:t>
             </a:r>
+            <a:endParaRPr>
+              <a:latin typeface="Courier New" panose="02070309020205020404"/>
+            </a:endParaRPr>
           </a:p>
           <a:p>
             <a:r>
@@ -3687,7 +3651,7 @@
             </a:r>
             <a:r>
               <a:rPr>
-                <a:latin typeface="Courier New"/>
+                <a:latin typeface="Courier New" panose="02070309020205020404"/>
               </a:rPr>
               <a:t> terraform</a:t>
             </a:r>
@@ -3730,7 +3694,7 @@
       <p:sp>
         <p:nvSpPr>
           <p:cNvPr id="4" name="TextBox 3"/>
-          <p:cNvSpPr txBox="1"/>
+          <p:cNvSpPr txBox="true"/>
           <p:nvPr/>
         </p:nvSpPr>
         <p:spPr>
@@ -3757,6 +3721,11 @@
               </a:rPr>
               <a:t>Copyright © 2021 by Elephant Scale, All Rights Reserved</a:t>
             </a:r>
+            <a:endParaRPr sz="800">
+              <a:solidFill>
+                <a:srgbClr val="000000"/>
+              </a:solidFill>
+            </a:endParaRPr>
           </a:p>
         </p:txBody>
       </p:sp>
@@ -3769,7 +3738,7 @@
 </file>
 
 <file path=ppt/slides/slide18.xml><?xml version="1.0" encoding="utf-8"?>
-<p:sld xmlns:a="http://schemas.openxmlformats.org/drawingml/2006/main" xmlns:p="http://schemas.openxmlformats.org/presentationml/2006/main" xmlns:r="http://schemas.openxmlformats.org/officeDocument/2006/relationships">
+<p:sld xmlns:a="http://schemas.openxmlformats.org/drawingml/2006/main" xmlns:r="http://schemas.openxmlformats.org/officeDocument/2006/relationships" xmlns:p="http://schemas.openxmlformats.org/presentationml/2006/main">
   <p:cSld>
     <p:spTree>
       <p:nvGrpSpPr>
@@ -3782,7 +3751,7 @@
         <p:nvSpPr>
           <p:cNvPr id="2" name="Title 1"/>
           <p:cNvSpPr>
-            <a:spLocks noGrp="1"/>
+            <a:spLocks noGrp="true"/>
           </p:cNvSpPr>
           <p:nvPr>
             <p:ph type="title"/>
@@ -3803,7 +3772,7 @@
         <p:nvSpPr>
           <p:cNvPr id="3" name="Content Placeholder 2"/>
           <p:cNvSpPr>
-            <a:spLocks noGrp="1"/>
+            <a:spLocks noGrp="true"/>
           </p:cNvSpPr>
           <p:nvPr>
             <p:ph idx="1"/>
@@ -3832,7 +3801,7 @@
       <p:sp>
         <p:nvSpPr>
           <p:cNvPr id="4" name="TextBox 3"/>
-          <p:cNvSpPr txBox="1"/>
+          <p:cNvSpPr txBox="true"/>
           <p:nvPr/>
         </p:nvSpPr>
         <p:spPr>
@@ -3859,6 +3828,11 @@
               </a:rPr>
               <a:t>Copyright © 2021 by Elephant Scale, All Rights Reserved</a:t>
             </a:r>
+            <a:endParaRPr sz="800">
+              <a:solidFill>
+                <a:srgbClr val="000000"/>
+              </a:solidFill>
+            </a:endParaRPr>
           </a:p>
         </p:txBody>
       </p:sp>
@@ -3866,12 +3840,12 @@
         <p:nvPicPr>
           <p:cNvPr id="5" name="Picture 4" descr="terraform-and-other-tools.png"/>
           <p:cNvPicPr>
-            <a:picLocks noChangeAspect="1"/>
+            <a:picLocks noChangeAspect="true"/>
           </p:cNvPicPr>
           <p:nvPr/>
         </p:nvPicPr>
         <p:blipFill>
-          <a:blip r:embed="rId2"/>
+          <a:blip r:embed="rId1"/>
           <a:stretch>
             <a:fillRect/>
           </a:stretch>
@@ -3895,7 +3869,7 @@
 </file>
 
 <file path=ppt/slides/slide2.xml><?xml version="1.0" encoding="utf-8"?>
-<p:sld xmlns:a="http://schemas.openxmlformats.org/drawingml/2006/main" xmlns:p="http://schemas.openxmlformats.org/presentationml/2006/main" xmlns:r="http://schemas.openxmlformats.org/officeDocument/2006/relationships">
+<p:sld xmlns:a="http://schemas.openxmlformats.org/drawingml/2006/main" xmlns:r="http://schemas.openxmlformats.org/officeDocument/2006/relationships" xmlns:p="http://schemas.openxmlformats.org/presentationml/2006/main">
   <p:cSld>
     <p:spTree>
       <p:nvGrpSpPr>
@@ -3908,7 +3882,7 @@
         <p:nvSpPr>
           <p:cNvPr id="2" name="Title 1"/>
           <p:cNvSpPr>
-            <a:spLocks noGrp="1"/>
+            <a:spLocks noGrp="true"/>
           </p:cNvSpPr>
           <p:nvPr>
             <p:ph type="title"/>
@@ -3929,7 +3903,7 @@
         <p:nvSpPr>
           <p:cNvPr id="3" name="Content Placeholder 2"/>
           <p:cNvSpPr>
-            <a:spLocks noGrp="1"/>
+            <a:spLocks noGrp="true"/>
           </p:cNvSpPr>
           <p:nvPr>
             <p:ph idx="1"/>
@@ -3945,10 +3919,7 @@
               <a:t> IaC</a:t>
             </a:r>
             <a:r>
-              <a:t> (Infrastructure as Code) is one of the most important developments in application</a:t>
-            </a:r>
-            <a:r>
-              <a:t> deployment in many years.</a:t>
+              <a:t> (Infrastructure as Code) is one of the most important developments in application deployment in many years.</a:t>
             </a:r>
           </a:p>
           <a:p>
@@ -3960,10 +3931,7 @@
               <a:t> maverick</a:t>
             </a:r>
             <a:r>
-              <a:t> who appeared on the scene a few years ago and</a:t>
-            </a:r>
-            <a:r>
-              <a:t> became more popular than all other IaC implementations</a:t>
+              <a:t> who appeared on the scene a few years ago and became more popular than all other IaC implementations</a:t>
             </a:r>
           </a:p>
           <a:p>
@@ -3975,10 +3943,7 @@
               <a:t> open source</a:t>
             </a:r>
             <a:r>
-              <a:t> and can be used with any cloud provider,</a:t>
-            </a:r>
-            <a:r>
-              <a:t> such as Amazon Web Services, IBM Cloud, Google Cloud Platform, Microsoft Azure, etc.</a:t>
+              <a:t> and can be used with any cloud provider, such as Amazon Web Services, IBM Cloud, Google Cloud Platform, Microsoft Azure, etc.</a:t>
             </a:r>
           </a:p>
           <a:p>
@@ -3997,13 +3962,7 @@
               <a:t> idempotent</a:t>
             </a:r>
             <a:r>
-              <a:t> . These are good design principles,</a:t>
-            </a:r>
-            <a:r>
-              <a:t> and many competitors have also implemented Terraform ideas, making Terraform</a:t>
-            </a:r>
-            <a:r>
-              <a:t> a de facto standard</a:t>
+              <a:t> . These are good design principles, and many competitors have also implemented Terraform ideas, making Terraform a de facto standard</a:t>
             </a:r>
           </a:p>
           <a:p/>
@@ -4013,7 +3972,7 @@
       <p:sp>
         <p:nvSpPr>
           <p:cNvPr id="4" name="TextBox 3"/>
-          <p:cNvSpPr txBox="1"/>
+          <p:cNvSpPr txBox="true"/>
           <p:nvPr/>
         </p:nvSpPr>
         <p:spPr>
@@ -4040,6 +3999,11 @@
               </a:rPr>
               <a:t>Copyright © 2021 by Elephant Scale, All Rights Reserved</a:t>
             </a:r>
+            <a:endParaRPr sz="800">
+              <a:solidFill>
+                <a:srgbClr val="000000"/>
+              </a:solidFill>
+            </a:endParaRPr>
           </a:p>
         </p:txBody>
       </p:sp>
@@ -4047,12 +4011,12 @@
         <p:nvPicPr>
           <p:cNvPr id="5" name="Picture 4" descr="terraform-logo.png"/>
           <p:cNvPicPr>
-            <a:picLocks noChangeAspect="1"/>
+            <a:picLocks noChangeAspect="true"/>
           </p:cNvPicPr>
           <p:nvPr/>
         </p:nvPicPr>
         <p:blipFill>
-          <a:blip r:embed="rId2"/>
+          <a:blip r:embed="rId1"/>
           <a:stretch>
             <a:fillRect/>
           </a:stretch>
@@ -4076,7 +4040,7 @@
 </file>
 
 <file path=ppt/slides/slide3.xml><?xml version="1.0" encoding="utf-8"?>
-<p:sld xmlns:a="http://schemas.openxmlformats.org/drawingml/2006/main" xmlns:p="http://schemas.openxmlformats.org/presentationml/2006/main" xmlns:r="http://schemas.openxmlformats.org/officeDocument/2006/relationships">
+<p:sld xmlns:a="http://schemas.openxmlformats.org/drawingml/2006/main" xmlns:r="http://schemas.openxmlformats.org/officeDocument/2006/relationships" xmlns:p="http://schemas.openxmlformats.org/presentationml/2006/main">
   <p:cSld>
     <p:spTree>
       <p:nvGrpSpPr>
@@ -4089,7 +4053,7 @@
         <p:nvSpPr>
           <p:cNvPr id="2" name="Title 1"/>
           <p:cNvSpPr>
-            <a:spLocks noGrp="1"/>
+            <a:spLocks noGrp="true"/>
           </p:cNvSpPr>
           <p:nvPr>
             <p:ph type="title"/>
@@ -4110,7 +4074,7 @@
         <p:nvSpPr>
           <p:cNvPr id="3" name="Content Placeholder 2"/>
           <p:cNvSpPr>
-            <a:spLocks noGrp="1"/>
+            <a:spLocks noGrp="true"/>
           </p:cNvSpPr>
           <p:nvPr>
             <p:ph idx="1"/>
@@ -4146,7 +4110,7 @@
       <p:sp>
         <p:nvSpPr>
           <p:cNvPr id="4" name="TextBox 3"/>
-          <p:cNvSpPr txBox="1"/>
+          <p:cNvSpPr txBox="true"/>
           <p:nvPr/>
         </p:nvSpPr>
         <p:spPr>
@@ -4173,6 +4137,11 @@
               </a:rPr>
               <a:t>Copyright © 2021 by Elephant Scale, All Rights Reserved</a:t>
             </a:r>
+            <a:endParaRPr sz="800">
+              <a:solidFill>
+                <a:srgbClr val="000000"/>
+              </a:solidFill>
+            </a:endParaRPr>
           </a:p>
         </p:txBody>
       </p:sp>
@@ -4185,7 +4154,7 @@
 </file>
 
 <file path=ppt/slides/slide4.xml><?xml version="1.0" encoding="utf-8"?>
-<p:sld xmlns:a="http://schemas.openxmlformats.org/drawingml/2006/main" xmlns:p="http://schemas.openxmlformats.org/presentationml/2006/main" xmlns:r="http://schemas.openxmlformats.org/officeDocument/2006/relationships">
+<p:sld xmlns:a="http://schemas.openxmlformats.org/drawingml/2006/main" xmlns:r="http://schemas.openxmlformats.org/officeDocument/2006/relationships" xmlns:p="http://schemas.openxmlformats.org/presentationml/2006/main">
   <p:cSld>
     <p:spTree>
       <p:nvGrpSpPr>
@@ -4198,7 +4167,7 @@
         <p:nvSpPr>
           <p:cNvPr id="2" name="Title 1"/>
           <p:cNvSpPr>
-            <a:spLocks noGrp="1"/>
+            <a:spLocks noGrp="true"/>
           </p:cNvSpPr>
           <p:nvPr>
             <p:ph type="title"/>
@@ -4219,7 +4188,7 @@
         <p:nvSpPr>
           <p:cNvPr id="3" name="Content Placeholder 2"/>
           <p:cNvSpPr>
-            <a:spLocks noGrp="1"/>
+            <a:spLocks noGrp="true"/>
           </p:cNvSpPr>
           <p:nvPr>
             <p:ph idx="1"/>
@@ -4259,7 +4228,7 @@
       <p:sp>
         <p:nvSpPr>
           <p:cNvPr id="4" name="TextBox 3"/>
-          <p:cNvSpPr txBox="1"/>
+          <p:cNvSpPr txBox="true"/>
           <p:nvPr/>
         </p:nvSpPr>
         <p:spPr>
@@ -4286,6 +4255,11 @@
               </a:rPr>
               <a:t>Copyright © 2021 by Elephant Scale, All Rights Reserved</a:t>
             </a:r>
+            <a:endParaRPr sz="800">
+              <a:solidFill>
+                <a:srgbClr val="000000"/>
+              </a:solidFill>
+            </a:endParaRPr>
           </a:p>
         </p:txBody>
       </p:sp>
@@ -4298,7 +4272,7 @@
 </file>
 
 <file path=ppt/slides/slide5.xml><?xml version="1.0" encoding="utf-8"?>
-<p:sld xmlns:a="http://schemas.openxmlformats.org/drawingml/2006/main" xmlns:p="http://schemas.openxmlformats.org/presentationml/2006/main" xmlns:r="http://schemas.openxmlformats.org/officeDocument/2006/relationships">
+<p:sld xmlns:a="http://schemas.openxmlformats.org/drawingml/2006/main" xmlns:r="http://schemas.openxmlformats.org/officeDocument/2006/relationships" xmlns:p="http://schemas.openxmlformats.org/presentationml/2006/main">
   <p:cSld>
     <p:spTree>
       <p:nvGrpSpPr>
@@ -4311,7 +4285,7 @@
         <p:nvSpPr>
           <p:cNvPr id="2" name="Title 1"/>
           <p:cNvSpPr>
-            <a:spLocks noGrp="1"/>
+            <a:spLocks noGrp="true"/>
           </p:cNvSpPr>
           <p:nvPr>
             <p:ph type="title"/>
@@ -4332,7 +4306,7 @@
         <p:nvSpPr>
           <p:cNvPr id="3" name="Content Placeholder 2"/>
           <p:cNvSpPr>
-            <a:spLocks noGrp="1"/>
+            <a:spLocks noGrp="true"/>
           </p:cNvSpPr>
           <p:nvPr>
             <p:ph idx="1"/>
@@ -4377,7 +4351,7 @@
       <p:sp>
         <p:nvSpPr>
           <p:cNvPr id="4" name="TextBox 3"/>
-          <p:cNvSpPr txBox="1"/>
+          <p:cNvSpPr txBox="true"/>
           <p:nvPr/>
         </p:nvSpPr>
         <p:spPr>
@@ -4404,6 +4378,11 @@
               </a:rPr>
               <a:t>Copyright © 2021 by Elephant Scale, All Rights Reserved</a:t>
             </a:r>
+            <a:endParaRPr sz="800">
+              <a:solidFill>
+                <a:srgbClr val="000000"/>
+              </a:solidFill>
+            </a:endParaRPr>
           </a:p>
         </p:txBody>
       </p:sp>
@@ -4411,12 +4390,12 @@
         <p:nvPicPr>
           <p:cNvPr id="5" name="Picture 4" descr="computer-rack-pexels-photo-442150.jpeg"/>
           <p:cNvPicPr>
-            <a:picLocks noChangeAspect="1"/>
+            <a:picLocks noChangeAspect="true"/>
           </p:cNvPicPr>
           <p:nvPr/>
         </p:nvPicPr>
         <p:blipFill>
-          <a:blip r:embed="rId2"/>
+          <a:blip r:embed="rId1"/>
           <a:stretch>
             <a:fillRect/>
           </a:stretch>
@@ -4440,7 +4419,7 @@
 </file>
 
 <file path=ppt/slides/slide6.xml><?xml version="1.0" encoding="utf-8"?>
-<p:sld xmlns:a="http://schemas.openxmlformats.org/drawingml/2006/main" xmlns:p="http://schemas.openxmlformats.org/presentationml/2006/main" xmlns:r="http://schemas.openxmlformats.org/officeDocument/2006/relationships">
+<p:sld xmlns:a="http://schemas.openxmlformats.org/drawingml/2006/main" xmlns:r="http://schemas.openxmlformats.org/officeDocument/2006/relationships" xmlns:p="http://schemas.openxmlformats.org/presentationml/2006/main">
   <p:cSld>
     <p:spTree>
       <p:nvGrpSpPr>
@@ -4453,7 +4432,7 @@
         <p:nvSpPr>
           <p:cNvPr id="2" name="Title 1"/>
           <p:cNvSpPr>
-            <a:spLocks noGrp="1"/>
+            <a:spLocks noGrp="true"/>
           </p:cNvSpPr>
           <p:nvPr>
             <p:ph type="title"/>
@@ -4474,7 +4453,7 @@
         <p:nvSpPr>
           <p:cNvPr id="3" name="Content Placeholder 2"/>
           <p:cNvSpPr>
-            <a:spLocks noGrp="1"/>
+            <a:spLocks noGrp="true"/>
           </p:cNvSpPr>
           <p:nvPr>
             <p:ph idx="1"/>
@@ -4519,7 +4498,7 @@
       <p:sp>
         <p:nvSpPr>
           <p:cNvPr id="4" name="TextBox 3"/>
-          <p:cNvSpPr txBox="1"/>
+          <p:cNvSpPr txBox="true"/>
           <p:nvPr/>
         </p:nvSpPr>
         <p:spPr>
@@ -4546,6 +4525,11 @@
               </a:rPr>
               <a:t>Copyright © 2021 by Elephant Scale, All Rights Reserved</a:t>
             </a:r>
+            <a:endParaRPr sz="800">
+              <a:solidFill>
+                <a:srgbClr val="000000"/>
+              </a:solidFill>
+            </a:endParaRPr>
           </a:p>
         </p:txBody>
       </p:sp>
@@ -4558,7 +4542,7 @@
 </file>
 
 <file path=ppt/slides/slide7.xml><?xml version="1.0" encoding="utf-8"?>
-<p:sld xmlns:a="http://schemas.openxmlformats.org/drawingml/2006/main" xmlns:p="http://schemas.openxmlformats.org/presentationml/2006/main" xmlns:r="http://schemas.openxmlformats.org/officeDocument/2006/relationships">
+<p:sld xmlns:a="http://schemas.openxmlformats.org/drawingml/2006/main" xmlns:r="http://schemas.openxmlformats.org/officeDocument/2006/relationships" xmlns:p="http://schemas.openxmlformats.org/presentationml/2006/main">
   <p:cSld>
     <p:spTree>
       <p:nvGrpSpPr>
@@ -4571,7 +4555,7 @@
         <p:nvSpPr>
           <p:cNvPr id="2" name="Title 1"/>
           <p:cNvSpPr>
-            <a:spLocks noGrp="1"/>
+            <a:spLocks noGrp="true"/>
           </p:cNvSpPr>
           <p:nvPr>
             <p:ph type="title"/>
@@ -4592,7 +4576,7 @@
         <p:nvSpPr>
           <p:cNvPr id="3" name="Content Placeholder 2"/>
           <p:cNvSpPr>
-            <a:spLocks noGrp="1"/>
+            <a:spLocks noGrp="true"/>
           </p:cNvSpPr>
           <p:nvPr>
             <p:ph idx="1"/>
@@ -4658,7 +4642,7 @@
       <p:sp>
         <p:nvSpPr>
           <p:cNvPr id="4" name="TextBox 3"/>
-          <p:cNvSpPr txBox="1"/>
+          <p:cNvSpPr txBox="true"/>
           <p:nvPr/>
         </p:nvSpPr>
         <p:spPr>
@@ -4685,6 +4669,11 @@
               </a:rPr>
               <a:t>Copyright © 2021 by Elephant Scale, All Rights Reserved</a:t>
             </a:r>
+            <a:endParaRPr sz="800">
+              <a:solidFill>
+                <a:srgbClr val="000000"/>
+              </a:solidFill>
+            </a:endParaRPr>
           </a:p>
         </p:txBody>
       </p:sp>
@@ -4697,7 +4686,7 @@
 </file>
 
 <file path=ppt/slides/slide8.xml><?xml version="1.0" encoding="utf-8"?>
-<p:sld xmlns:a="http://schemas.openxmlformats.org/drawingml/2006/main" xmlns:p="http://schemas.openxmlformats.org/presentationml/2006/main" xmlns:r="http://schemas.openxmlformats.org/officeDocument/2006/relationships">
+<p:sld xmlns:a="http://schemas.openxmlformats.org/drawingml/2006/main" xmlns:r="http://schemas.openxmlformats.org/officeDocument/2006/relationships" xmlns:p="http://schemas.openxmlformats.org/presentationml/2006/main">
   <p:cSld>
     <p:spTree>
       <p:nvGrpSpPr>
@@ -4710,7 +4699,7 @@
         <p:nvSpPr>
           <p:cNvPr id="2" name="Title 1"/>
           <p:cNvSpPr>
-            <a:spLocks noGrp="1"/>
+            <a:spLocks noGrp="true"/>
           </p:cNvSpPr>
           <p:nvPr>
             <p:ph type="title"/>
@@ -4731,7 +4720,7 @@
         <p:nvSpPr>
           <p:cNvPr id="3" name="Content Placeholder 2"/>
           <p:cNvSpPr>
-            <a:spLocks noGrp="1"/>
+            <a:spLocks noGrp="true"/>
           </p:cNvSpPr>
           <p:nvPr>
             <p:ph idx="1"/>
@@ -4781,7 +4770,7 @@
       <p:sp>
         <p:nvSpPr>
           <p:cNvPr id="4" name="TextBox 3"/>
-          <p:cNvSpPr txBox="1"/>
+          <p:cNvSpPr txBox="true"/>
           <p:nvPr/>
         </p:nvSpPr>
         <p:spPr>
@@ -4808,6 +4797,11 @@
               </a:rPr>
               <a:t>Copyright © 2021 by Elephant Scale, All Rights Reserved</a:t>
             </a:r>
+            <a:endParaRPr sz="800">
+              <a:solidFill>
+                <a:srgbClr val="000000"/>
+              </a:solidFill>
+            </a:endParaRPr>
           </a:p>
         </p:txBody>
       </p:sp>
@@ -4820,7 +4814,7 @@
 </file>
 
 <file path=ppt/slides/slide9.xml><?xml version="1.0" encoding="utf-8"?>
-<p:sld xmlns:a="http://schemas.openxmlformats.org/drawingml/2006/main" xmlns:p="http://schemas.openxmlformats.org/presentationml/2006/main" xmlns:r="http://schemas.openxmlformats.org/officeDocument/2006/relationships">
+<p:sld xmlns:a="http://schemas.openxmlformats.org/drawingml/2006/main" xmlns:r="http://schemas.openxmlformats.org/officeDocument/2006/relationships" xmlns:p="http://schemas.openxmlformats.org/presentationml/2006/main">
   <p:cSld>
     <p:spTree>
       <p:nvGrpSpPr>
@@ -4833,7 +4827,7 @@
         <p:nvSpPr>
           <p:cNvPr id="2" name="Title 1"/>
           <p:cNvSpPr>
-            <a:spLocks noGrp="1"/>
+            <a:spLocks noGrp="true"/>
           </p:cNvSpPr>
           <p:nvPr>
             <p:ph type="title"/>
@@ -4854,7 +4848,7 @@
         <p:nvSpPr>
           <p:cNvPr id="3" name="Content Placeholder 2"/>
           <p:cNvSpPr>
-            <a:spLocks noGrp="1"/>
+            <a:spLocks noGrp="true"/>
           </p:cNvSpPr>
           <p:nvPr>
             <p:ph idx="1"/>
@@ -4883,7 +4877,7 @@
       <p:sp>
         <p:nvSpPr>
           <p:cNvPr id="4" name="TextBox 3"/>
-          <p:cNvSpPr txBox="1"/>
+          <p:cNvSpPr txBox="true"/>
           <p:nvPr/>
         </p:nvSpPr>
         <p:spPr>
@@ -4910,6 +4904,11 @@
               </a:rPr>
               <a:t>Copyright © 2021 by Elephant Scale, All Rights Reserved</a:t>
             </a:r>
+            <a:endParaRPr sz="800">
+              <a:solidFill>
+                <a:srgbClr val="000000"/>
+              </a:solidFill>
+            </a:endParaRPr>
           </a:p>
         </p:txBody>
       </p:sp>
@@ -4917,12 +4916,12 @@
         <p:nvPicPr>
           <p:cNvPr id="5" name="Picture 4" descr="ad-hoc-script.png"/>
           <p:cNvPicPr>
-            <a:picLocks noChangeAspect="1"/>
+            <a:picLocks noChangeAspect="true"/>
           </p:cNvPicPr>
           <p:nvPr/>
         </p:nvPicPr>
         <p:blipFill>
-          <a:blip r:embed="rId2"/>
+          <a:blip r:embed="rId1"/>
           <a:stretch>
             <a:fillRect/>
           </a:stretch>
@@ -5003,7 +5002,7 @@
         <a:solidFill>
           <a:schemeClr val="phClr"/>
         </a:solidFill>
-        <a:gradFill rotWithShape="1">
+        <a:gradFill rotWithShape="true">
           <a:gsLst>
             <a:gs pos="0">
               <a:schemeClr val="phClr">
@@ -5024,9 +5023,9 @@
               </a:schemeClr>
             </a:gs>
           </a:gsLst>
-          <a:lin ang="16200000" scaled="1"/>
+          <a:lin ang="16200000" scaled="true"/>
         </a:gradFill>
-        <a:gradFill rotWithShape="1">
+        <a:gradFill rotWithShape="true">
           <a:gsLst>
             <a:gs pos="0">
               <a:schemeClr val="phClr">
@@ -5043,7 +5042,7 @@
               </a:schemeClr>
             </a:gs>
           </a:gsLst>
-          <a:lin ang="16200000" scaled="0"/>
+          <a:lin ang="16200000" scaled="false"/>
         </a:gradFill>
       </a:fillStyleLst>
       <a:lnStyleLst>
@@ -5113,7 +5112,7 @@
         <a:solidFill>
           <a:schemeClr val="phClr"/>
         </a:solidFill>
-        <a:gradFill rotWithShape="1">
+        <a:gradFill rotWithShape="true">
           <a:gsLst>
             <a:gs pos="0">
               <a:schemeClr val="phClr">
@@ -5139,7 +5138,7 @@
             <a:fillToRect l="50000" t="-80000" r="50000" b="180000"/>
           </a:path>
         </a:gradFill>
-        <a:gradFill rotWithShape="1">
+        <a:gradFill rotWithShape="true">
           <a:gsLst>
             <a:gs pos="0">
               <a:schemeClr val="phClr">
@@ -5188,13 +5187,8 @@
           <a:headEnd type="none" w="med" len="med"/>
           <a:tailEnd type="none" w="med" len="med"/>
         </a:ln>
-        <a:effectLst/>
       </a:spPr>
-      <a:bodyPr vert="horz" wrap="square" lIns="91440" tIns="45720" rIns="91440" bIns="45720" numCol="1" anchor="t" anchorCtr="0" compatLnSpc="1">
-        <a:prstTxWarp prst="textNoShape">
-          <a:avLst/>
-        </a:prstTxWarp>
-      </a:bodyPr>
+      <a:bodyPr vert="horz" wrap="square" lIns="91440" tIns="45720" rIns="91440" bIns="45720" numCol="1" anchor="t" anchorCtr="false" compatLnSpc="true"/>
       <a:lstStyle>
         <a:defPPr marL="0" marR="0" indent="0" algn="ctr" defTabSz="914400" rtl="0" eaLnBrk="1" fontAlgn="base" latinLnBrk="0" hangingPunct="1">
           <a:lnSpc>
@@ -5210,7 +5204,6 @@
           <a:buSzTx/>
           <a:buFontTx/>
           <a:buNone/>
-          <a:tabLst/>
           <a:defRPr kumimoji="0" lang="en-US" sz="1000" b="0" i="0" u="none" strike="noStrike" cap="none" normalizeH="0" baseline="0">
             <a:ln>
               <a:noFill/>
@@ -5219,7 +5212,7 @@
               <a:schemeClr val="tx1"/>
             </a:solidFill>
             <a:effectLst/>
-            <a:latin typeface="Garamond" pitchFamily="-110" charset="0"/>
+            <a:latin typeface="Garamond" pitchFamily="18" charset="0"/>
           </a:defRPr>
         </a:defPPr>
       </a:lstStyle>
@@ -5250,13 +5243,8 @@
           <a:headEnd type="none" w="med" len="med"/>
           <a:tailEnd type="none" w="med" len="med"/>
         </a:ln>
-        <a:effectLst/>
       </a:spPr>
-      <a:bodyPr vert="horz" wrap="square" lIns="91440" tIns="45720" rIns="91440" bIns="45720" numCol="1" anchor="t" anchorCtr="0" compatLnSpc="1">
-        <a:prstTxWarp prst="textNoShape">
-          <a:avLst/>
-        </a:prstTxWarp>
-      </a:bodyPr>
+      <a:bodyPr vert="horz" wrap="square" lIns="91440" tIns="45720" rIns="91440" bIns="45720" numCol="1" anchor="t" anchorCtr="false" compatLnSpc="true"/>
       <a:lstStyle>
         <a:defPPr marL="0" marR="0" indent="0" algn="ctr" defTabSz="914400" rtl="0" eaLnBrk="1" fontAlgn="base" latinLnBrk="0" hangingPunct="1">
           <a:lnSpc>
@@ -5272,7 +5260,6 @@
           <a:buSzTx/>
           <a:buFontTx/>
           <a:buNone/>
-          <a:tabLst/>
           <a:defRPr kumimoji="0" lang="en-US" sz="1000" b="0" i="0" u="none" strike="noStrike" cap="none" normalizeH="0" baseline="0">
             <a:ln>
               <a:noFill/>
@@ -5281,7 +5268,7 @@
               <a:schemeClr val="tx1"/>
             </a:solidFill>
             <a:effectLst/>
-            <a:latin typeface="Garamond" pitchFamily="-110" charset="0"/>
+            <a:latin typeface="Garamond" pitchFamily="18" charset="0"/>
           </a:defRPr>
         </a:defPPr>
       </a:lstStyle>
@@ -5576,6 +5563,11 @@
       <a:clrMap bg1="dk2" tx1="lt1" bg2="dk1" tx2="lt2" accent1="accent1" accent2="accent2" accent3="accent3" accent4="accent4" accent5="accent5" accent6="accent6" hlink="hlink" folHlink="folHlink"/>
     </a:extraClrScheme>
   </a:extraClrSchemeLst>
+  <a:extLst>
+    <a:ext uri="{05A4C25C-085E-4340-85A3-A5531E510DB2}">
+      <thm15:themeFamily xmlns:thm15="http://schemas.microsoft.com/office/thememl/2012/main" name="Office Theme" id="{62F939B6-93AF-4DB8-9C6B-D6C7DFDC589F}" vid="{4A3C46E8-61CC-4603-A589-7422A47A8E4A}"/>
+    </a:ext>
+  </a:extLst>
 </a:theme>
 </file>
 
@@ -5695,7 +5687,7 @@
         <a:solidFill>
           <a:schemeClr val="phClr"/>
         </a:solidFill>
-        <a:gradFill rotWithShape="1">
+        <a:gradFill rotWithShape="true">
           <a:gsLst>
             <a:gs pos="0">
               <a:schemeClr val="phClr">
@@ -5716,9 +5708,9 @@
               </a:schemeClr>
             </a:gs>
           </a:gsLst>
-          <a:lin ang="16200000" scaled="1"/>
+          <a:lin ang="16200000" scaled="true"/>
         </a:gradFill>
-        <a:gradFill rotWithShape="1">
+        <a:gradFill rotWithShape="true">
           <a:gsLst>
             <a:gs pos="0">
               <a:schemeClr val="phClr">
@@ -5735,7 +5727,7 @@
               </a:schemeClr>
             </a:gs>
           </a:gsLst>
-          <a:lin ang="16200000" scaled="0"/>
+          <a:lin ang="16200000" scaled="false"/>
         </a:gradFill>
       </a:fillStyleLst>
       <a:lnStyleLst>
@@ -5805,7 +5797,7 @@
         <a:solidFill>
           <a:schemeClr val="phClr"/>
         </a:solidFill>
-        <a:gradFill rotWithShape="1">
+        <a:gradFill rotWithShape="true">
           <a:gsLst>
             <a:gs pos="0">
               <a:schemeClr val="phClr">
@@ -5831,7 +5823,7 @@
             <a:fillToRect l="50000" t="-80000" r="50000" b="180000"/>
           </a:path>
         </a:gradFill>
-        <a:gradFill rotWithShape="1">
+        <a:gradFill rotWithShape="true">
           <a:gsLst>
             <a:gs pos="0">
               <a:schemeClr val="phClr">
@@ -5893,7 +5885,11 @@
       </a:style>
     </a:lnDef>
   </a:objectDefaults>
-  <a:extraClrSchemeLst/>
+  <a:extLst>
+    <a:ext uri="{05A4C25C-085E-4340-85A3-A5531E510DB2}">
+      <thm15:themeFamily xmlns:thm15="http://schemas.microsoft.com/office/thememl/2012/main" name="Office Theme" id="{62F939B6-93AF-4DB8-9C6B-D6C7DFDC589F}" vid="{4A3C46E8-61CC-4603-A589-7422A47A8E4A}"/>
+    </a:ext>
+  </a:extLst>
 </a:theme>
 </file>
 
@@ -6013,7 +6009,7 @@
         <a:solidFill>
           <a:schemeClr val="phClr"/>
         </a:solidFill>
-        <a:gradFill rotWithShape="1">
+        <a:gradFill rotWithShape="true">
           <a:gsLst>
             <a:gs pos="0">
               <a:schemeClr val="phClr">
@@ -6034,9 +6030,9 @@
               </a:schemeClr>
             </a:gs>
           </a:gsLst>
-          <a:lin ang="16200000" scaled="1"/>
+          <a:lin ang="16200000" scaled="true"/>
         </a:gradFill>
-        <a:gradFill rotWithShape="1">
+        <a:gradFill rotWithShape="true">
           <a:gsLst>
             <a:gs pos="0">
               <a:schemeClr val="phClr">
@@ -6053,7 +6049,7 @@
               </a:schemeClr>
             </a:gs>
           </a:gsLst>
-          <a:lin ang="16200000" scaled="0"/>
+          <a:lin ang="16200000" scaled="false"/>
         </a:gradFill>
       </a:fillStyleLst>
       <a:lnStyleLst>
@@ -6123,7 +6119,7 @@
         <a:solidFill>
           <a:schemeClr val="phClr"/>
         </a:solidFill>
-        <a:gradFill rotWithShape="1">
+        <a:gradFill rotWithShape="true">
           <a:gsLst>
             <a:gs pos="0">
               <a:schemeClr val="phClr">
@@ -6149,7 +6145,7 @@
             <a:fillToRect l="50000" t="-80000" r="50000" b="180000"/>
           </a:path>
         </a:gradFill>
-        <a:gradFill rotWithShape="1">
+        <a:gradFill rotWithShape="true">
           <a:gsLst>
             <a:gs pos="0">
               <a:schemeClr val="phClr">
@@ -6211,6 +6207,10 @@
       </a:style>
     </a:lnDef>
   </a:objectDefaults>
-  <a:extraClrSchemeLst/>
+  <a:extLst>
+    <a:ext uri="{05A4C25C-085E-4340-85A3-A5531E510DB2}">
+      <thm15:themeFamily xmlns:thm15="http://schemas.microsoft.com/office/thememl/2012/main" name="Office Theme" id="{62F939B6-93AF-4DB8-9C6B-D6C7DFDC589F}" vid="{4A3C46E8-61CC-4603-A589-7422A47A8E4A}"/>
+    </a:ext>
+  </a:extLst>
 </a:theme>
 </file>